--- a/PPT/Angular12-Components.pptx
+++ b/PPT/Angular12-Components.pptx
@@ -3702,21 +3702,21 @@
           <a:p>
             <a:pPr eaLnBrk="1" hangingPunct="1"/>
             <a:r>
-              <a:rPr lang="fr-FR" altLang="fr-FR" smtClean="0"/>
-              <a:t>Chapitre </a:t>
-            </a:r>
-            <a:r>
-              <a:rPr lang="fr-FR" altLang="fr-FR" smtClean="0"/>
-              <a:t>12</a:t>
+              <a:rPr lang="fr-FR" altLang="fr-FR" dirty="0" smtClean="0"/>
+              <a:t>Chapitre 12</a:t>
+            </a:r>
+          </a:p>
+          <a:p>
+            <a:pPr eaLnBrk="1" hangingPunct="1"/>
+            <a:r>
+              <a:rPr lang="fr-FR" altLang="fr-FR" dirty="0" smtClean="0"/>
+              <a:t>Les composants </a:t>
+            </a:r>
+            <a:r>
+              <a:rPr lang="fr-FR" altLang="fr-FR" dirty="0" smtClean="0"/>
+              <a:t>(avancés)</a:t>
             </a:r>
             <a:endParaRPr lang="fr-FR" altLang="fr-FR" dirty="0" smtClean="0"/>
-          </a:p>
-          <a:p>
-            <a:pPr eaLnBrk="1" hangingPunct="1"/>
-            <a:r>
-              <a:rPr lang="fr-FR" altLang="fr-FR" dirty="0" smtClean="0"/>
-              <a:t>Les composants paramétrés</a:t>
-            </a:r>
           </a:p>
         </p:txBody>
       </p:sp>
@@ -5183,8 +5183,27 @@
           <a:p>
             <a:r>
               <a:rPr lang="fr-FR" dirty="0" smtClean="0"/>
-              <a:t>Ceci implique une communication entre composants</a:t>
-            </a:r>
+              <a:t>Ceci implique une communication entre </a:t>
+            </a:r>
+            <a:r>
+              <a:rPr lang="fr-FR" dirty="0" smtClean="0"/>
+              <a:t>composants</a:t>
+            </a:r>
+          </a:p>
+          <a:p>
+            <a:r>
+              <a:rPr lang="fr-FR" dirty="0" err="1" smtClean="0"/>
+              <a:t>Separation</a:t>
+            </a:r>
+            <a:r>
+              <a:rPr lang="fr-FR" dirty="0" smtClean="0"/>
+              <a:t> of </a:t>
+            </a:r>
+            <a:r>
+              <a:rPr lang="fr-FR" dirty="0" err="1" smtClean="0"/>
+              <a:t>Concerns</a:t>
+            </a:r>
+            <a:endParaRPr lang="fr-FR" dirty="0" smtClean="0"/>
           </a:p>
           <a:p>
             <a:endParaRPr lang="fr-FR" dirty="0" smtClean="0"/>
@@ -5641,12 +5660,12 @@
           <a:p>
             <a:pPr lvl="1"/>
             <a:r>
-              <a:rPr lang="fr-FR" dirty="0" err="1" smtClean="0"/>
-              <a:t>Egelement</a:t>
-            </a:r>
-            <a:r>
-              <a:rPr lang="fr-FR" dirty="0" smtClean="0"/>
-              <a:t> valable pour les directives</a:t>
+              <a:rPr lang="fr-FR" dirty="0" smtClean="0"/>
+              <a:t>Egalement </a:t>
+            </a:r>
+            <a:r>
+              <a:rPr lang="fr-FR" dirty="0" smtClean="0"/>
+              <a:t>valable pour les directives</a:t>
             </a:r>
           </a:p>
           <a:p>

--- a/PPT/Angular12-Components.pptx
+++ b/PPT/Angular12-Components.pptx
@@ -3710,13 +3710,8 @@
             <a:pPr eaLnBrk="1" hangingPunct="1"/>
             <a:r>
               <a:rPr lang="fr-FR" altLang="fr-FR" dirty="0" smtClean="0"/>
-              <a:t>Les composants </a:t>
-            </a:r>
-            <a:r>
-              <a:rPr lang="fr-FR" altLang="fr-FR" dirty="0" smtClean="0"/>
-              <a:t>(avancés)</a:t>
-            </a:r>
-            <a:endParaRPr lang="fr-FR" altLang="fr-FR" dirty="0" smtClean="0"/>
+              <a:t>Les composants (avancés)</a:t>
+            </a:r>
           </a:p>
         </p:txBody>
       </p:sp>
@@ -5183,11 +5178,7 @@
           <a:p>
             <a:r>
               <a:rPr lang="fr-FR" dirty="0" smtClean="0"/>
-              <a:t>Ceci implique une communication entre </a:t>
-            </a:r>
-            <a:r>
-              <a:rPr lang="fr-FR" dirty="0" smtClean="0"/>
-              <a:t>composants</a:t>
+              <a:t>Ceci implique une communication entre composants</a:t>
             </a:r>
           </a:p>
           <a:p>
@@ -5343,11 +5334,15 @@
             </a:r>
             <a:r>
               <a:rPr lang="fr-FR" dirty="0" smtClean="0"/>
-              <a:t> component </a:t>
-            </a:r>
-            <a:r>
-              <a:rPr lang="fr-FR" dirty="0" err="1" smtClean="0"/>
-              <a:t>nomDuComposant</a:t>
+              <a:t> </a:t>
+            </a:r>
+            <a:r>
+              <a:rPr lang="fr-FR" smtClean="0"/>
+              <a:t>component </a:t>
+            </a:r>
+            <a:r>
+              <a:rPr lang="fr-FR" smtClean="0"/>
+              <a:t>nom-du-composant</a:t>
             </a:r>
             <a:endParaRPr lang="fr-FR" dirty="0" smtClean="0"/>
           </a:p>
@@ -5594,6 +5589,13 @@
   <p:clrMapOvr>
     <a:masterClrMapping/>
   </p:clrMapOvr>
+  <p:timing>
+    <p:tnLst>
+      <p:par>
+        <p:cTn id="1" dur="indefinite" restart="never" nodeType="tmRoot"/>
+      </p:par>
+    </p:tnLst>
+  </p:timing>
 </p:sld>
 </file>
 
@@ -5661,11 +5663,7 @@
             <a:pPr lvl="1"/>
             <a:r>
               <a:rPr lang="fr-FR" dirty="0" smtClean="0"/>
-              <a:t>Egalement </a:t>
-            </a:r>
-            <a:r>
-              <a:rPr lang="fr-FR" dirty="0" smtClean="0"/>
-              <a:t>valable pour les directives</a:t>
+              <a:t>Egalement valable pour les directives</a:t>
             </a:r>
           </a:p>
           <a:p>

--- a/PPT/Angular12-Components.pptx
+++ b/PPT/Angular12-Components.pptx
@@ -4388,12 +4388,12 @@
               <a:t> sait </a:t>
             </a:r>
             <a:r>
-              <a:rPr lang="fr-FR" dirty="0" err="1" smtClean="0"/>
-              <a:t>emettre</a:t>
-            </a:r>
-            <a:r>
-              <a:rPr lang="fr-FR" dirty="0" smtClean="0"/>
-              <a:t> un $</a:t>
+              <a:rPr lang="fr-FR" dirty="0" smtClean="0"/>
+              <a:t>émettre </a:t>
+            </a:r>
+            <a:r>
+              <a:rPr lang="fr-FR" dirty="0" smtClean="0"/>
+              <a:t>un $</a:t>
             </a:r>
             <a:r>
               <a:rPr lang="fr-FR" dirty="0" err="1" smtClean="0"/>
@@ -5338,11 +5338,7 @@
             </a:r>
             <a:r>
               <a:rPr lang="fr-FR" smtClean="0"/>
-              <a:t>component </a:t>
-            </a:r>
-            <a:r>
-              <a:rPr lang="fr-FR" smtClean="0"/>
-              <a:t>nom-du-composant</a:t>
+              <a:t>component nom-du-composant</a:t>
             </a:r>
             <a:endParaRPr lang="fr-FR" dirty="0" smtClean="0"/>
           </a:p>

--- a/PPT/Angular12-Components.pptx
+++ b/PPT/Angular12-Components.pptx
@@ -5,27 +5,20 @@
     <p:sldMasterId id="2147483653" r:id="rId1"/>
   </p:sldMasterIdLst>
   <p:notesMasterIdLst>
-    <p:notesMasterId r:id="rId17"/>
+    <p:notesMasterId r:id="rId10"/>
   </p:notesMasterIdLst>
   <p:handoutMasterIdLst>
-    <p:handoutMasterId r:id="rId18"/>
+    <p:handoutMasterId r:id="rId11"/>
   </p:handoutMasterIdLst>
   <p:sldIdLst>
     <p:sldId id="264" r:id="rId2"/>
     <p:sldId id="330" r:id="rId3"/>
-    <p:sldId id="331" r:id="rId4"/>
-    <p:sldId id="334" r:id="rId5"/>
-    <p:sldId id="332" r:id="rId6"/>
-    <p:sldId id="333" r:id="rId7"/>
-    <p:sldId id="338" r:id="rId8"/>
-    <p:sldId id="339" r:id="rId9"/>
-    <p:sldId id="337" r:id="rId10"/>
-    <p:sldId id="340" r:id="rId11"/>
-    <p:sldId id="341" r:id="rId12"/>
-    <p:sldId id="342" r:id="rId13"/>
-    <p:sldId id="343" r:id="rId14"/>
-    <p:sldId id="344" r:id="rId15"/>
-    <p:sldId id="345" r:id="rId16"/>
+    <p:sldId id="334" r:id="rId4"/>
+    <p:sldId id="332" r:id="rId5"/>
+    <p:sldId id="333" r:id="rId6"/>
+    <p:sldId id="344" r:id="rId7"/>
+    <p:sldId id="342" r:id="rId8"/>
+    <p:sldId id="345" r:id="rId9"/>
   </p:sldIdLst>
   <p:sldSz cx="9144000" cy="6858000" type="screen4x3"/>
   <p:notesSz cx="6648450" cy="9782175"/>
@@ -3953,1138 +3946,6 @@
 </p:sld>
 </file>
 
-<file path=ppt/slides/slide10.xml><?xml version="1.0" encoding="utf-8"?>
-<p:sld xmlns:a="http://schemas.openxmlformats.org/drawingml/2006/main" xmlns:r="http://schemas.openxmlformats.org/officeDocument/2006/relationships" xmlns:p="http://schemas.openxmlformats.org/presentationml/2006/main">
-  <p:cSld>
-    <p:spTree>
-      <p:nvGrpSpPr>
-        <p:cNvPr id="1" name=""/>
-        <p:cNvGrpSpPr/>
-        <p:nvPr/>
-      </p:nvGrpSpPr>
-      <p:grpSpPr>
-        <a:xfrm>
-          <a:off x="0" y="0"/>
-          <a:ext cx="0" cy="0"/>
-          <a:chOff x="0" y="0"/>
-          <a:chExt cx="0" cy="0"/>
-        </a:xfrm>
-      </p:grpSpPr>
-      <p:sp>
-        <p:nvSpPr>
-          <p:cNvPr id="2" name="Titre 1"/>
-          <p:cNvSpPr>
-            <a:spLocks noGrp="1"/>
-          </p:cNvSpPr>
-          <p:nvPr>
-            <p:ph type="title"/>
-          </p:nvPr>
-        </p:nvSpPr>
-        <p:spPr/>
-        <p:txBody>
-          <a:bodyPr/>
-          <a:lstStyle/>
-          <a:p>
-            <a:r>
-              <a:rPr lang="fr-FR" dirty="0" smtClean="0"/>
-              <a:t>Binding one </a:t>
-            </a:r>
-            <a:r>
-              <a:rPr lang="fr-FR" dirty="0" err="1" smtClean="0"/>
-              <a:t>way</a:t>
-            </a:r>
-            <a:endParaRPr lang="fr-FR" dirty="0"/>
-          </a:p>
-        </p:txBody>
-      </p:sp>
-      <p:sp>
-        <p:nvSpPr>
-          <p:cNvPr id="3" name="Espace réservé du contenu 2"/>
-          <p:cNvSpPr>
-            <a:spLocks noGrp="1"/>
-          </p:cNvSpPr>
-          <p:nvPr>
-            <p:ph idx="1"/>
-          </p:nvPr>
-        </p:nvSpPr>
-        <p:spPr/>
-        <p:txBody>
-          <a:bodyPr/>
-          <a:lstStyle/>
-          <a:p>
-            <a:r>
-              <a:rPr lang="fr-FR" dirty="0" smtClean="0"/>
-              <a:t>Elément</a:t>
-            </a:r>
-          </a:p>
-          <a:p>
-            <a:pPr lvl="1"/>
-            <a:r>
-              <a:rPr lang="fr-FR" dirty="0" smtClean="0"/>
-              <a:t>{{ }}</a:t>
-            </a:r>
-          </a:p>
-          <a:p>
-            <a:r>
-              <a:rPr lang="fr-FR" dirty="0" smtClean="0"/>
-              <a:t>Attribut</a:t>
-            </a:r>
-            <a:endParaRPr lang="fr-FR" dirty="0"/>
-          </a:p>
-          <a:p>
-            <a:pPr lvl="1"/>
-            <a:r>
-              <a:rPr lang="en-US" dirty="0"/>
-              <a:t>&lt;button [</a:t>
-            </a:r>
-            <a:r>
-              <a:rPr lang="en-US" dirty="0" err="1"/>
-              <a:t>attr.aria</a:t>
-            </a:r>
-            <a:r>
-              <a:rPr lang="en-US" dirty="0"/>
-              <a:t>-label]="help"&gt;help&lt;/button</a:t>
-            </a:r>
-            <a:r>
-              <a:rPr lang="en-US" dirty="0" smtClean="0"/>
-              <a:t>&gt;</a:t>
-            </a:r>
-          </a:p>
-          <a:p>
-            <a:r>
-              <a:rPr lang="en-US" dirty="0" smtClean="0"/>
-              <a:t>Class</a:t>
-            </a:r>
-          </a:p>
-          <a:p>
-            <a:pPr lvl="1"/>
-            <a:r>
-              <a:rPr lang="fr-FR" dirty="0"/>
-              <a:t>&lt;div [</a:t>
-            </a:r>
-            <a:r>
-              <a:rPr lang="fr-FR" dirty="0" err="1"/>
-              <a:t>class.special</a:t>
-            </a:r>
-            <a:r>
-              <a:rPr lang="fr-FR" dirty="0"/>
-              <a:t>]="</a:t>
-            </a:r>
-            <a:r>
-              <a:rPr lang="fr-FR" dirty="0" err="1"/>
-              <a:t>isSpecial</a:t>
-            </a:r>
-            <a:r>
-              <a:rPr lang="fr-FR" dirty="0"/>
-              <a:t>"&gt;</a:t>
-            </a:r>
-            <a:r>
-              <a:rPr lang="fr-FR" dirty="0" err="1"/>
-              <a:t>Special</a:t>
-            </a:r>
-            <a:r>
-              <a:rPr lang="fr-FR" dirty="0"/>
-              <a:t>&lt;/div</a:t>
-            </a:r>
-            <a:r>
-              <a:rPr lang="fr-FR" dirty="0" smtClean="0"/>
-              <a:t>&gt;</a:t>
-            </a:r>
-          </a:p>
-          <a:p>
-            <a:r>
-              <a:rPr lang="fr-FR" dirty="0" smtClean="0"/>
-              <a:t>Style</a:t>
-            </a:r>
-          </a:p>
-          <a:p>
-            <a:pPr lvl="1"/>
-            <a:r>
-              <a:rPr lang="en-US" dirty="0"/>
-              <a:t>&lt;button [</a:t>
-            </a:r>
-            <a:r>
-              <a:rPr lang="en-US" dirty="0" err="1"/>
-              <a:t>style.color</a:t>
-            </a:r>
-            <a:r>
-              <a:rPr lang="en-US" dirty="0"/>
-              <a:t>]="</a:t>
-            </a:r>
-            <a:r>
-              <a:rPr lang="en-US" dirty="0" err="1"/>
-              <a:t>isSpecial</a:t>
-            </a:r>
-            <a:r>
-              <a:rPr lang="en-US" dirty="0"/>
-              <a:t> ? 'red' : 'green'"&gt;</a:t>
-            </a:r>
-            <a:endParaRPr lang="fr-FR" dirty="0"/>
-          </a:p>
-        </p:txBody>
-      </p:sp>
-    </p:spTree>
-    <p:extLst>
-      <p:ext uri="{BB962C8B-B14F-4D97-AF65-F5344CB8AC3E}">
-        <p14:creationId xmlns:p14="http://schemas.microsoft.com/office/powerpoint/2010/main" val="3256904712"/>
-      </p:ext>
-    </p:extLst>
-  </p:cSld>
-  <p:clrMapOvr>
-    <a:masterClrMapping/>
-  </p:clrMapOvr>
-</p:sld>
-</file>
-
-<file path=ppt/slides/slide11.xml><?xml version="1.0" encoding="utf-8"?>
-<p:sld xmlns:a="http://schemas.openxmlformats.org/drawingml/2006/main" xmlns:r="http://schemas.openxmlformats.org/officeDocument/2006/relationships" xmlns:p="http://schemas.openxmlformats.org/presentationml/2006/main">
-  <p:cSld>
-    <p:spTree>
-      <p:nvGrpSpPr>
-        <p:cNvPr id="1" name=""/>
-        <p:cNvGrpSpPr/>
-        <p:nvPr/>
-      </p:nvGrpSpPr>
-      <p:grpSpPr>
-        <a:xfrm>
-          <a:off x="0" y="0"/>
-          <a:ext cx="0" cy="0"/>
-          <a:chOff x="0" y="0"/>
-          <a:chExt cx="0" cy="0"/>
-        </a:xfrm>
-      </p:grpSpPr>
-      <p:sp>
-        <p:nvSpPr>
-          <p:cNvPr id="2" name="Titre 1"/>
-          <p:cNvSpPr>
-            <a:spLocks noGrp="1"/>
-          </p:cNvSpPr>
-          <p:nvPr>
-            <p:ph type="title"/>
-          </p:nvPr>
-        </p:nvSpPr>
-        <p:spPr/>
-        <p:txBody>
-          <a:bodyPr/>
-          <a:lstStyle/>
-          <a:p>
-            <a:r>
-              <a:rPr lang="fr-FR" dirty="0" smtClean="0"/>
-              <a:t>Binding ou interpolation ?</a:t>
-            </a:r>
-            <a:endParaRPr lang="fr-FR" dirty="0"/>
-          </a:p>
-        </p:txBody>
-      </p:sp>
-      <p:sp>
-        <p:nvSpPr>
-          <p:cNvPr id="3" name="Espace réservé du contenu 2"/>
-          <p:cNvSpPr>
-            <a:spLocks noGrp="1"/>
-          </p:cNvSpPr>
-          <p:nvPr>
-            <p:ph idx="1"/>
-          </p:nvPr>
-        </p:nvSpPr>
-        <p:spPr/>
-        <p:txBody>
-          <a:bodyPr/>
-          <a:lstStyle/>
-          <a:p>
-            <a:r>
-              <a:rPr lang="fr-FR" dirty="0" smtClean="0"/>
-              <a:t>Vous avez souvent le choix entre binding et interpolation</a:t>
-            </a:r>
-          </a:p>
-          <a:p>
-            <a:endParaRPr lang="fr-FR" dirty="0"/>
-          </a:p>
-          <a:p>
-            <a:endParaRPr lang="fr-FR" dirty="0" smtClean="0"/>
-          </a:p>
-          <a:p>
-            <a:endParaRPr lang="fr-FR" dirty="0"/>
-          </a:p>
-          <a:p>
-            <a:endParaRPr lang="fr-FR" dirty="0" smtClean="0"/>
-          </a:p>
-          <a:p>
-            <a:r>
-              <a:rPr lang="fr-FR" dirty="0" smtClean="0"/>
-              <a:t>Le binding est plus sécurisé</a:t>
-            </a:r>
-          </a:p>
-          <a:p>
-            <a:pPr lvl="1"/>
-            <a:r>
-              <a:rPr lang="fr-FR" dirty="0" smtClean="0"/>
-              <a:t>Imaginez que</a:t>
-            </a:r>
-          </a:p>
-          <a:p>
-            <a:pPr lvl="1"/>
-            <a:r>
-              <a:rPr lang="fr-FR" dirty="0" err="1" smtClean="0"/>
-              <a:t>title</a:t>
-            </a:r>
-            <a:r>
-              <a:rPr lang="fr-FR" dirty="0" smtClean="0"/>
-              <a:t> = '</a:t>
-            </a:r>
-            <a:r>
-              <a:rPr lang="en-US" dirty="0" smtClean="0"/>
-              <a:t>Hello &lt;script&gt;alert</a:t>
-            </a:r>
-            <a:r>
-              <a:rPr lang="en-US" dirty="0"/>
-              <a:t>("evil never sleeps")&lt;/script</a:t>
-            </a:r>
-            <a:r>
-              <a:rPr lang="en-US" dirty="0" smtClean="0"/>
-              <a:t>&gt;';</a:t>
-            </a:r>
-            <a:endParaRPr lang="fr-FR" dirty="0" smtClean="0"/>
-          </a:p>
-          <a:p>
-            <a:endParaRPr lang="fr-FR" dirty="0"/>
-          </a:p>
-        </p:txBody>
-      </p:sp>
-      <p:pic>
-        <p:nvPicPr>
-          <p:cNvPr id="4" name="Image 3"/>
-          <p:cNvPicPr>
-            <a:picLocks noChangeAspect="1"/>
-          </p:cNvPicPr>
-          <p:nvPr/>
-        </p:nvPicPr>
-        <p:blipFill>
-          <a:blip r:embed="rId2"/>
-          <a:stretch>
-            <a:fillRect/>
-          </a:stretch>
-        </p:blipFill>
-        <p:spPr>
-          <a:xfrm>
-            <a:off x="899592" y="2492896"/>
-            <a:ext cx="7997618" cy="1728192"/>
-          </a:xfrm>
-          <a:prstGeom prst="rect">
-            <a:avLst/>
-          </a:prstGeom>
-        </p:spPr>
-      </p:pic>
-    </p:spTree>
-    <p:extLst>
-      <p:ext uri="{BB962C8B-B14F-4D97-AF65-F5344CB8AC3E}">
-        <p14:creationId xmlns:p14="http://schemas.microsoft.com/office/powerpoint/2010/main" val="1873627078"/>
-      </p:ext>
-    </p:extLst>
-  </p:cSld>
-  <p:clrMapOvr>
-    <a:masterClrMapping/>
-  </p:clrMapOvr>
-</p:sld>
-</file>
-
-<file path=ppt/slides/slide12.xml><?xml version="1.0" encoding="utf-8"?>
-<p:sld xmlns:a="http://schemas.openxmlformats.org/drawingml/2006/main" xmlns:r="http://schemas.openxmlformats.org/officeDocument/2006/relationships" xmlns:p="http://schemas.openxmlformats.org/presentationml/2006/main">
-  <p:cSld>
-    <p:spTree>
-      <p:nvGrpSpPr>
-        <p:cNvPr id="1" name=""/>
-        <p:cNvGrpSpPr/>
-        <p:nvPr/>
-      </p:nvGrpSpPr>
-      <p:grpSpPr>
-        <a:xfrm>
-          <a:off x="0" y="0"/>
-          <a:ext cx="0" cy="0"/>
-          <a:chOff x="0" y="0"/>
-          <a:chExt cx="0" cy="0"/>
-        </a:xfrm>
-      </p:grpSpPr>
-      <p:sp>
-        <p:nvSpPr>
-          <p:cNvPr id="2" name="Titre 1"/>
-          <p:cNvSpPr>
-            <a:spLocks noGrp="1"/>
-          </p:cNvSpPr>
-          <p:nvPr>
-            <p:ph type="title"/>
-          </p:nvPr>
-        </p:nvSpPr>
-        <p:spPr/>
-        <p:txBody>
-          <a:bodyPr/>
-          <a:lstStyle/>
-          <a:p>
-            <a:r>
-              <a:rPr lang="fr-FR" dirty="0" smtClean="0"/>
-              <a:t>$</a:t>
-            </a:r>
-            <a:r>
-              <a:rPr lang="fr-FR" dirty="0" err="1" smtClean="0"/>
-              <a:t>event</a:t>
-            </a:r>
-            <a:endParaRPr lang="fr-FR" dirty="0"/>
-          </a:p>
-        </p:txBody>
-      </p:sp>
-      <p:sp>
-        <p:nvSpPr>
-          <p:cNvPr id="3" name="Espace réservé du contenu 2"/>
-          <p:cNvSpPr>
-            <a:spLocks noGrp="1"/>
-          </p:cNvSpPr>
-          <p:nvPr>
-            <p:ph idx="1"/>
-          </p:nvPr>
-        </p:nvSpPr>
-        <p:spPr/>
-        <p:txBody>
-          <a:bodyPr/>
-          <a:lstStyle/>
-          <a:p>
-            <a:r>
-              <a:rPr lang="fr-FR" dirty="0" smtClean="0"/>
-              <a:t>$</a:t>
-            </a:r>
-            <a:r>
-              <a:rPr lang="fr-FR" dirty="0" err="1" smtClean="0"/>
-              <a:t>event</a:t>
-            </a:r>
-            <a:r>
-              <a:rPr lang="fr-FR" dirty="0" smtClean="0"/>
-              <a:t> permet de retrouver les évènements du DOM</a:t>
-            </a:r>
-          </a:p>
-          <a:p>
-            <a:pPr lvl="1"/>
-            <a:r>
-              <a:rPr lang="fr-FR" dirty="0" smtClean="0"/>
-              <a:t>Compatible JS</a:t>
-            </a:r>
-          </a:p>
-          <a:p>
-            <a:pPr lvl="1"/>
-            <a:endParaRPr lang="fr-FR" dirty="0"/>
-          </a:p>
-          <a:p>
-            <a:pPr lvl="1"/>
-            <a:endParaRPr lang="fr-FR" dirty="0" smtClean="0"/>
-          </a:p>
-          <a:p>
-            <a:pPr lvl="1"/>
-            <a:endParaRPr lang="fr-FR" dirty="0"/>
-          </a:p>
-          <a:p>
-            <a:r>
-              <a:rPr lang="fr-FR" dirty="0" err="1" smtClean="0"/>
-              <a:t>Angular</a:t>
-            </a:r>
-            <a:r>
-              <a:rPr lang="fr-FR" dirty="0" smtClean="0"/>
-              <a:t> sait </a:t>
-            </a:r>
-            <a:r>
-              <a:rPr lang="fr-FR" dirty="0" smtClean="0"/>
-              <a:t>émettre </a:t>
-            </a:r>
-            <a:r>
-              <a:rPr lang="fr-FR" dirty="0" smtClean="0"/>
-              <a:t>un $</a:t>
-            </a:r>
-            <a:r>
-              <a:rPr lang="fr-FR" dirty="0" err="1" smtClean="0"/>
-              <a:t>event</a:t>
-            </a:r>
-            <a:r>
-              <a:rPr lang="fr-FR" dirty="0" smtClean="0"/>
-              <a:t> avec </a:t>
-            </a:r>
-            <a:r>
-              <a:rPr lang="fr-FR" dirty="0" err="1" smtClean="0"/>
-              <a:t>EventEmitter</a:t>
-            </a:r>
-            <a:endParaRPr lang="fr-FR" dirty="0" smtClean="0"/>
-          </a:p>
-          <a:p>
-            <a:endParaRPr lang="fr-FR" dirty="0" smtClean="0"/>
-          </a:p>
-          <a:p>
-            <a:endParaRPr lang="fr-FR" dirty="0" smtClean="0"/>
-          </a:p>
-          <a:p>
-            <a:pPr lvl="1"/>
-            <a:endParaRPr lang="fr-FR" dirty="0"/>
-          </a:p>
-        </p:txBody>
-      </p:sp>
-      <p:pic>
-        <p:nvPicPr>
-          <p:cNvPr id="4" name="Image 3"/>
-          <p:cNvPicPr>
-            <a:picLocks noChangeAspect="1"/>
-          </p:cNvPicPr>
-          <p:nvPr/>
-        </p:nvPicPr>
-        <p:blipFill>
-          <a:blip r:embed="rId2"/>
-          <a:stretch>
-            <a:fillRect/>
-          </a:stretch>
-        </p:blipFill>
-        <p:spPr>
-          <a:xfrm>
-            <a:off x="1475656" y="3068960"/>
-            <a:ext cx="6207339" cy="770756"/>
-          </a:xfrm>
-          <a:prstGeom prst="rect">
-            <a:avLst/>
-          </a:prstGeom>
-        </p:spPr>
-      </p:pic>
-      <p:pic>
-        <p:nvPicPr>
-          <p:cNvPr id="5" name="Image 4"/>
-          <p:cNvPicPr>
-            <a:picLocks noChangeAspect="1"/>
-          </p:cNvPicPr>
-          <p:nvPr/>
-        </p:nvPicPr>
-        <p:blipFill>
-          <a:blip r:embed="rId3"/>
-          <a:stretch>
-            <a:fillRect/>
-          </a:stretch>
-        </p:blipFill>
-        <p:spPr>
-          <a:xfrm>
-            <a:off x="1475656" y="4725143"/>
-            <a:ext cx="4320480" cy="1546535"/>
-          </a:xfrm>
-          <a:prstGeom prst="rect">
-            <a:avLst/>
-          </a:prstGeom>
-        </p:spPr>
-      </p:pic>
-    </p:spTree>
-    <p:extLst>
-      <p:ext uri="{BB962C8B-B14F-4D97-AF65-F5344CB8AC3E}">
-        <p14:creationId xmlns:p14="http://schemas.microsoft.com/office/powerpoint/2010/main" val="2933571031"/>
-      </p:ext>
-    </p:extLst>
-  </p:cSld>
-  <p:clrMapOvr>
-    <a:masterClrMapping/>
-  </p:clrMapOvr>
-</p:sld>
-</file>
-
-<file path=ppt/slides/slide13.xml><?xml version="1.0" encoding="utf-8"?>
-<p:sld xmlns:a="http://schemas.openxmlformats.org/drawingml/2006/main" xmlns:r="http://schemas.openxmlformats.org/officeDocument/2006/relationships" xmlns:p="http://schemas.openxmlformats.org/presentationml/2006/main">
-  <p:cSld>
-    <p:spTree>
-      <p:nvGrpSpPr>
-        <p:cNvPr id="1" name=""/>
-        <p:cNvGrpSpPr/>
-        <p:nvPr/>
-      </p:nvGrpSpPr>
-      <p:grpSpPr>
-        <a:xfrm>
-          <a:off x="0" y="0"/>
-          <a:ext cx="0" cy="0"/>
-          <a:chOff x="0" y="0"/>
-          <a:chExt cx="0" cy="0"/>
-        </a:xfrm>
-      </p:grpSpPr>
-      <p:sp>
-        <p:nvSpPr>
-          <p:cNvPr id="2" name="Titre 1"/>
-          <p:cNvSpPr>
-            <a:spLocks noGrp="1"/>
-          </p:cNvSpPr>
-          <p:nvPr>
-            <p:ph type="title"/>
-          </p:nvPr>
-        </p:nvSpPr>
-        <p:spPr/>
-        <p:txBody>
-          <a:bodyPr/>
-          <a:lstStyle/>
-          <a:p>
-            <a:r>
-              <a:rPr lang="fr-FR" dirty="0" smtClean="0"/>
-              <a:t>Template référence variable</a:t>
-            </a:r>
-            <a:endParaRPr lang="fr-FR" dirty="0"/>
-          </a:p>
-        </p:txBody>
-      </p:sp>
-      <p:sp>
-        <p:nvSpPr>
-          <p:cNvPr id="3" name="Espace réservé du contenu 2"/>
-          <p:cNvSpPr>
-            <a:spLocks noGrp="1"/>
-          </p:cNvSpPr>
-          <p:nvPr>
-            <p:ph idx="1"/>
-          </p:nvPr>
-        </p:nvSpPr>
-        <p:spPr/>
-        <p:txBody>
-          <a:bodyPr/>
-          <a:lstStyle/>
-          <a:p>
-            <a:r>
-              <a:rPr lang="fr-FR" dirty="0" smtClean="0"/>
-              <a:t>#</a:t>
-            </a:r>
-          </a:p>
-          <a:p>
-            <a:pPr lvl="1"/>
-            <a:r>
-              <a:rPr lang="fr-FR" dirty="0" smtClean="0"/>
-              <a:t>Permet d'ajouter un id </a:t>
-            </a:r>
-            <a:r>
-              <a:rPr lang="fr-FR" dirty="0" err="1"/>
-              <a:t>A</a:t>
-            </a:r>
-            <a:r>
-              <a:rPr lang="fr-FR" dirty="0" err="1" smtClean="0"/>
-              <a:t>ngular</a:t>
-            </a:r>
-            <a:r>
-              <a:rPr lang="fr-FR" dirty="0" smtClean="0"/>
-              <a:t> sur un élément</a:t>
-            </a:r>
-          </a:p>
-          <a:p>
-            <a:pPr lvl="1"/>
-            <a:r>
-              <a:rPr lang="en-US" dirty="0"/>
-              <a:t>&lt;input #phone placeholder="phone number</a:t>
-            </a:r>
-            <a:r>
-              <a:rPr lang="en-US" dirty="0" smtClean="0"/>
-              <a:t>"&gt;</a:t>
-            </a:r>
-          </a:p>
-          <a:p>
-            <a:pPr lvl="2"/>
-            <a:r>
-              <a:rPr lang="en-US" dirty="0" smtClean="0"/>
-              <a:t>A </a:t>
-            </a:r>
-            <a:r>
-              <a:rPr lang="en-US" dirty="0" err="1" smtClean="0"/>
-              <a:t>préférer</a:t>
-            </a:r>
-            <a:r>
-              <a:rPr lang="en-US" dirty="0" smtClean="0"/>
-              <a:t> à </a:t>
-            </a:r>
-          </a:p>
-          <a:p>
-            <a:pPr lvl="2"/>
-            <a:r>
-              <a:rPr lang="en-US" dirty="0"/>
-              <a:t>&lt;input </a:t>
-            </a:r>
-            <a:r>
-              <a:rPr lang="en-US" dirty="0" smtClean="0"/>
-              <a:t>id="phone" </a:t>
-            </a:r>
-            <a:r>
-              <a:rPr lang="en-US" dirty="0"/>
-              <a:t>placeholder="phone number</a:t>
-            </a:r>
-            <a:r>
-              <a:rPr lang="en-US" dirty="0" smtClean="0"/>
-              <a:t>"&gt;</a:t>
-            </a:r>
-          </a:p>
-          <a:p>
-            <a:r>
-              <a:rPr lang="en-US" dirty="0" smtClean="0"/>
-              <a:t>Pour </a:t>
-            </a:r>
-            <a:r>
-              <a:rPr lang="en-US" dirty="0" err="1" smtClean="0"/>
-              <a:t>retrouver</a:t>
-            </a:r>
-            <a:r>
-              <a:rPr lang="en-US" dirty="0" smtClean="0"/>
-              <a:t> </a:t>
-            </a:r>
-            <a:r>
-              <a:rPr lang="en-US" dirty="0" err="1" smtClean="0"/>
-              <a:t>une</a:t>
-            </a:r>
-            <a:r>
-              <a:rPr lang="en-US" dirty="0" smtClean="0"/>
-              <a:t> </a:t>
-            </a:r>
-            <a:r>
-              <a:rPr lang="en-US" dirty="0" err="1" smtClean="0"/>
-              <a:t>valeur</a:t>
-            </a:r>
-            <a:r>
-              <a:rPr lang="en-US" dirty="0" smtClean="0"/>
-              <a:t> </a:t>
-            </a:r>
-            <a:r>
-              <a:rPr lang="en-US" dirty="0" err="1" smtClean="0"/>
-              <a:t>dans</a:t>
-            </a:r>
-            <a:r>
-              <a:rPr lang="en-US" dirty="0" smtClean="0"/>
-              <a:t> le DOM</a:t>
-            </a:r>
-          </a:p>
-          <a:p>
-            <a:pPr lvl="1"/>
-            <a:r>
-              <a:rPr lang="en-US" dirty="0"/>
-              <a:t>&lt;button (click)="</a:t>
-            </a:r>
-            <a:r>
-              <a:rPr lang="en-US" dirty="0" err="1"/>
-              <a:t>callPhone</a:t>
-            </a:r>
-            <a:r>
-              <a:rPr lang="en-US" dirty="0"/>
-              <a:t>(</a:t>
-            </a:r>
-            <a:r>
-              <a:rPr lang="en-US" dirty="0" err="1"/>
-              <a:t>phone.value</a:t>
-            </a:r>
-            <a:r>
-              <a:rPr lang="en-US" dirty="0"/>
-              <a:t>)"&gt;Call&lt;/button</a:t>
-            </a:r>
-            <a:r>
-              <a:rPr lang="en-US" dirty="0" smtClean="0"/>
-              <a:t>&gt;</a:t>
-            </a:r>
-          </a:p>
-          <a:p>
-            <a:pPr lvl="1"/>
-            <a:r>
-              <a:rPr lang="en-US" dirty="0" err="1" smtClean="0"/>
-              <a:t>phone.value</a:t>
-            </a:r>
-            <a:r>
-              <a:rPr lang="en-US" dirty="0" smtClean="0"/>
-              <a:t> </a:t>
-            </a:r>
-            <a:r>
-              <a:rPr lang="en-US" dirty="0" err="1" smtClean="0"/>
-              <a:t>est</a:t>
-            </a:r>
-            <a:r>
-              <a:rPr lang="en-US" dirty="0" smtClean="0"/>
-              <a:t> la </a:t>
-            </a:r>
-            <a:r>
-              <a:rPr lang="en-US" dirty="0" err="1" smtClean="0"/>
-              <a:t>valeur</a:t>
-            </a:r>
-            <a:r>
-              <a:rPr lang="en-US" dirty="0" smtClean="0"/>
-              <a:t> de </a:t>
-            </a:r>
-            <a:r>
-              <a:rPr lang="en-US" dirty="0" err="1" smtClean="0"/>
-              <a:t>l'élément</a:t>
-            </a:r>
-            <a:r>
-              <a:rPr lang="en-US" dirty="0" smtClean="0"/>
-              <a:t> phone</a:t>
-            </a:r>
-          </a:p>
-          <a:p>
-            <a:pPr lvl="1"/>
-            <a:r>
-              <a:rPr lang="en-US" dirty="0" err="1" smtClean="0"/>
-              <a:t>Uniquement</a:t>
-            </a:r>
-            <a:r>
-              <a:rPr lang="en-US" dirty="0" smtClean="0"/>
-              <a:t> compatible avec # et non id</a:t>
-            </a:r>
-            <a:endParaRPr lang="en-US" dirty="0"/>
-          </a:p>
-          <a:p>
-            <a:endParaRPr lang="en-US" dirty="0"/>
-          </a:p>
-          <a:p>
-            <a:pPr lvl="2"/>
-            <a:endParaRPr lang="en-US" dirty="0" smtClean="0"/>
-          </a:p>
-          <a:p>
-            <a:pPr lvl="2"/>
-            <a:endParaRPr lang="en-US" dirty="0" smtClean="0"/>
-          </a:p>
-          <a:p>
-            <a:pPr lvl="2"/>
-            <a:endParaRPr lang="fr-FR" dirty="0"/>
-          </a:p>
-        </p:txBody>
-      </p:sp>
-    </p:spTree>
-    <p:extLst>
-      <p:ext uri="{BB962C8B-B14F-4D97-AF65-F5344CB8AC3E}">
-        <p14:creationId xmlns:p14="http://schemas.microsoft.com/office/powerpoint/2010/main" val="3461774444"/>
-      </p:ext>
-    </p:extLst>
-  </p:cSld>
-  <p:clrMapOvr>
-    <a:masterClrMapping/>
-  </p:clrMapOvr>
-</p:sld>
-</file>
-
-<file path=ppt/slides/slide14.xml><?xml version="1.0" encoding="utf-8"?>
-<p:sld xmlns:a="http://schemas.openxmlformats.org/drawingml/2006/main" xmlns:r="http://schemas.openxmlformats.org/officeDocument/2006/relationships" xmlns:p="http://schemas.openxmlformats.org/presentationml/2006/main">
-  <p:cSld>
-    <p:spTree>
-      <p:nvGrpSpPr>
-        <p:cNvPr id="1" name=""/>
-        <p:cNvGrpSpPr/>
-        <p:nvPr/>
-      </p:nvGrpSpPr>
-      <p:grpSpPr>
-        <a:xfrm>
-          <a:off x="0" y="0"/>
-          <a:ext cx="0" cy="0"/>
-          <a:chOff x="0" y="0"/>
-          <a:chExt cx="0" cy="0"/>
-        </a:xfrm>
-      </p:grpSpPr>
-      <p:sp>
-        <p:nvSpPr>
-          <p:cNvPr id="2" name="Titre 1"/>
-          <p:cNvSpPr>
-            <a:spLocks noGrp="1"/>
-          </p:cNvSpPr>
-          <p:nvPr>
-            <p:ph type="title"/>
-          </p:nvPr>
-        </p:nvSpPr>
-        <p:spPr/>
-        <p:txBody>
-          <a:bodyPr/>
-          <a:lstStyle/>
-          <a:p>
-            <a:r>
-              <a:rPr lang="fr-FR" dirty="0" smtClean="0"/>
-              <a:t>@Output</a:t>
-            </a:r>
-            <a:endParaRPr lang="fr-FR" dirty="0"/>
-          </a:p>
-        </p:txBody>
-      </p:sp>
-      <p:sp>
-        <p:nvSpPr>
-          <p:cNvPr id="3" name="Espace réservé du contenu 2"/>
-          <p:cNvSpPr>
-            <a:spLocks noGrp="1"/>
-          </p:cNvSpPr>
-          <p:nvPr>
-            <p:ph idx="1"/>
-          </p:nvPr>
-        </p:nvSpPr>
-        <p:spPr/>
-        <p:txBody>
-          <a:bodyPr/>
-          <a:lstStyle/>
-          <a:p>
-            <a:r>
-              <a:rPr lang="fr-FR" dirty="0" smtClean="0"/>
-              <a:t>@Output est l'inverse de @Input il est utile pour les évènements</a:t>
-            </a:r>
-          </a:p>
-          <a:p>
-            <a:endParaRPr lang="fr-FR" dirty="0"/>
-          </a:p>
-          <a:p>
-            <a:endParaRPr lang="fr-FR" dirty="0" smtClean="0"/>
-          </a:p>
-          <a:p>
-            <a:endParaRPr lang="fr-FR" dirty="0"/>
-          </a:p>
-          <a:p>
-            <a:r>
-              <a:rPr lang="fr-FR" dirty="0" smtClean="0"/>
-              <a:t>Appelable avec () car c'est un one </a:t>
-            </a:r>
-            <a:r>
-              <a:rPr lang="fr-FR" dirty="0" err="1" smtClean="0"/>
-              <a:t>way</a:t>
-            </a:r>
-            <a:r>
-              <a:rPr lang="fr-FR" dirty="0" smtClean="0"/>
-              <a:t> to source</a:t>
-            </a:r>
-          </a:p>
-          <a:p>
-            <a:endParaRPr lang="fr-FR" dirty="0" smtClean="0"/>
-          </a:p>
-          <a:p>
-            <a:endParaRPr lang="fr-FR" dirty="0" smtClean="0"/>
-          </a:p>
-          <a:p>
-            <a:endParaRPr lang="fr-FR" dirty="0"/>
-          </a:p>
-        </p:txBody>
-      </p:sp>
-      <p:pic>
-        <p:nvPicPr>
-          <p:cNvPr id="4" name="Image 3"/>
-          <p:cNvPicPr>
-            <a:picLocks noChangeAspect="1"/>
-          </p:cNvPicPr>
-          <p:nvPr/>
-        </p:nvPicPr>
-        <p:blipFill>
-          <a:blip r:embed="rId2"/>
-          <a:stretch>
-            <a:fillRect/>
-          </a:stretch>
-        </p:blipFill>
-        <p:spPr>
-          <a:xfrm>
-            <a:off x="1054472" y="2492896"/>
-            <a:ext cx="6375708" cy="1440160"/>
-          </a:xfrm>
-          <a:prstGeom prst="rect">
-            <a:avLst/>
-          </a:prstGeom>
-        </p:spPr>
-      </p:pic>
-      <p:pic>
-        <p:nvPicPr>
-          <p:cNvPr id="6" name="Image 5"/>
-          <p:cNvPicPr>
-            <a:picLocks noChangeAspect="1"/>
-          </p:cNvPicPr>
-          <p:nvPr/>
-        </p:nvPicPr>
-        <p:blipFill>
-          <a:blip r:embed="rId3"/>
-          <a:stretch>
-            <a:fillRect/>
-          </a:stretch>
-        </p:blipFill>
-        <p:spPr>
-          <a:xfrm>
-            <a:off x="1187623" y="4774096"/>
-            <a:ext cx="7245861" cy="1103176"/>
-          </a:xfrm>
-          <a:prstGeom prst="rect">
-            <a:avLst/>
-          </a:prstGeom>
-        </p:spPr>
-      </p:pic>
-    </p:spTree>
-    <p:extLst>
-      <p:ext uri="{BB962C8B-B14F-4D97-AF65-F5344CB8AC3E}">
-        <p14:creationId xmlns:p14="http://schemas.microsoft.com/office/powerpoint/2010/main" val="4100674082"/>
-      </p:ext>
-    </p:extLst>
-  </p:cSld>
-  <p:clrMapOvr>
-    <a:masterClrMapping/>
-  </p:clrMapOvr>
-</p:sld>
-</file>
-
-<file path=ppt/slides/slide15.xml><?xml version="1.0" encoding="utf-8"?>
-<p:sld xmlns:a="http://schemas.openxmlformats.org/drawingml/2006/main" xmlns:r="http://schemas.openxmlformats.org/officeDocument/2006/relationships" xmlns:p="http://schemas.openxmlformats.org/presentationml/2006/main">
-  <p:cSld>
-    <p:spTree>
-      <p:nvGrpSpPr>
-        <p:cNvPr id="1" name=""/>
-        <p:cNvGrpSpPr/>
-        <p:nvPr/>
-      </p:nvGrpSpPr>
-      <p:grpSpPr>
-        <a:xfrm>
-          <a:off x="0" y="0"/>
-          <a:ext cx="0" cy="0"/>
-          <a:chOff x="0" y="0"/>
-          <a:chExt cx="0" cy="0"/>
-        </a:xfrm>
-      </p:grpSpPr>
-      <p:sp>
-        <p:nvSpPr>
-          <p:cNvPr id="2" name="Titre 1"/>
-          <p:cNvSpPr>
-            <a:spLocks noGrp="1"/>
-          </p:cNvSpPr>
-          <p:nvPr>
-            <p:ph type="title"/>
-          </p:nvPr>
-        </p:nvSpPr>
-        <p:spPr/>
-        <p:txBody>
-          <a:bodyPr/>
-          <a:lstStyle/>
-          <a:p>
-            <a:r>
-              <a:rPr lang="fr-FR" dirty="0" smtClean="0"/>
-              <a:t>Cycle de vie</a:t>
-            </a:r>
-            <a:endParaRPr lang="fr-FR" dirty="0"/>
-          </a:p>
-        </p:txBody>
-      </p:sp>
-      <p:sp>
-        <p:nvSpPr>
-          <p:cNvPr id="3" name="Espace réservé du contenu 2"/>
-          <p:cNvSpPr>
-            <a:spLocks noGrp="1"/>
-          </p:cNvSpPr>
-          <p:nvPr>
-            <p:ph idx="1"/>
-          </p:nvPr>
-        </p:nvSpPr>
-        <p:spPr>
-          <a:xfrm>
-            <a:off x="179513" y="1412776"/>
-            <a:ext cx="5918236" cy="5040560"/>
-          </a:xfrm>
-        </p:spPr>
-        <p:txBody>
-          <a:bodyPr/>
-          <a:lstStyle/>
-          <a:p>
-            <a:r>
-              <a:rPr lang="fr-FR" dirty="0" smtClean="0"/>
-              <a:t>Le composant possède un cycle de vie complexe</a:t>
-            </a:r>
-          </a:p>
-          <a:p>
-            <a:pPr lvl="1"/>
-            <a:r>
-              <a:rPr lang="fr-FR" dirty="0" smtClean="0"/>
-              <a:t>Démarré par </a:t>
-            </a:r>
-            <a:r>
-              <a:rPr lang="fr-FR" dirty="0" err="1" smtClean="0"/>
-              <a:t>ngOnInit</a:t>
-            </a:r>
-            <a:endParaRPr lang="fr-FR" dirty="0" smtClean="0"/>
-          </a:p>
-          <a:p>
-            <a:pPr lvl="1"/>
-            <a:r>
-              <a:rPr lang="fr-FR" dirty="0" smtClean="0"/>
-              <a:t>Chacun de ses </a:t>
-            </a:r>
-            <a:r>
-              <a:rPr lang="fr-FR" dirty="0" err="1" smtClean="0"/>
-              <a:t>évenements</a:t>
-            </a:r>
-            <a:r>
-              <a:rPr lang="fr-FR" dirty="0" smtClean="0"/>
-              <a:t> peut être capturé</a:t>
-            </a:r>
-          </a:p>
-          <a:p>
-            <a:pPr lvl="1"/>
-            <a:r>
-              <a:rPr lang="fr-FR" dirty="0" smtClean="0"/>
-              <a:t>Par exemple</a:t>
-            </a:r>
-          </a:p>
-          <a:p>
-            <a:pPr lvl="1"/>
-            <a:r>
-              <a:rPr lang="fr-FR" dirty="0" err="1"/>
-              <a:t>ngOnDestroy</a:t>
-            </a:r>
-            <a:r>
-              <a:rPr lang="fr-FR" dirty="0"/>
-              <a:t>() { </a:t>
-            </a:r>
-            <a:r>
-              <a:rPr lang="fr-FR" dirty="0" err="1"/>
-              <a:t>this.logIt</a:t>
-            </a:r>
-            <a:r>
-              <a:rPr lang="fr-FR" dirty="0"/>
-              <a:t>(`</a:t>
-            </a:r>
-            <a:r>
-              <a:rPr lang="fr-FR" dirty="0" err="1"/>
-              <a:t>onDestroy</a:t>
-            </a:r>
-            <a:r>
-              <a:rPr lang="fr-FR" dirty="0"/>
-              <a:t>`); }</a:t>
-            </a:r>
-          </a:p>
-        </p:txBody>
-      </p:sp>
-      <p:pic>
-        <p:nvPicPr>
-          <p:cNvPr id="1026" name="Picture 2" descr="Peek-a-boo"/>
-          <p:cNvPicPr>
-            <a:picLocks noChangeAspect="1" noChangeArrowheads="1"/>
-          </p:cNvPicPr>
-          <p:nvPr/>
-        </p:nvPicPr>
-        <p:blipFill>
-          <a:blip r:embed="rId2">
-            <a:extLst>
-              <a:ext uri="{28A0092B-C50C-407E-A947-70E740481C1C}">
-                <a14:useLocalDpi xmlns:a14="http://schemas.microsoft.com/office/drawing/2010/main" val="0"/>
-              </a:ext>
-            </a:extLst>
-          </a:blip>
-          <a:srcRect/>
-          <a:stretch>
-            <a:fillRect/>
-          </a:stretch>
-        </p:blipFill>
-        <p:spPr bwMode="auto">
-          <a:xfrm>
-            <a:off x="6097748" y="2420888"/>
-            <a:ext cx="2943225" cy="3486151"/>
-          </a:xfrm>
-          <a:prstGeom prst="rect">
-            <a:avLst/>
-          </a:prstGeom>
-          <a:noFill/>
-          <a:extLst>
-            <a:ext uri="{909E8E84-426E-40DD-AFC4-6F175D3DCCD1}">
-              <a14:hiddenFill xmlns:a14="http://schemas.microsoft.com/office/drawing/2010/main">
-                <a:solidFill>
-                  <a:srgbClr val="FFFFFF"/>
-                </a:solidFill>
-              </a14:hiddenFill>
-            </a:ext>
-          </a:extLst>
-        </p:spPr>
-      </p:pic>
-    </p:spTree>
-    <p:extLst>
-      <p:ext uri="{BB962C8B-B14F-4D97-AF65-F5344CB8AC3E}">
-        <p14:creationId xmlns:p14="http://schemas.microsoft.com/office/powerpoint/2010/main" val="3194105657"/>
-      </p:ext>
-    </p:extLst>
-  </p:cSld>
-  <p:clrMapOvr>
-    <a:masterClrMapping/>
-  </p:clrMapOvr>
-</p:sld>
-</file>
-
 <file path=ppt/slides/slide2.xml><?xml version="1.0" encoding="utf-8"?>
 <p:sld xmlns:a="http://schemas.openxmlformats.org/drawingml/2006/main" xmlns:r="http://schemas.openxmlformats.org/officeDocument/2006/relationships" xmlns:p="http://schemas.openxmlformats.org/presentationml/2006/main">
   <p:cSld>
@@ -5161,11 +4022,15 @@
             </a:r>
             <a:r>
               <a:rPr lang="fr-FR" dirty="0" err="1" smtClean="0"/>
-              <a:t>heroes</a:t>
+              <a:t>games</a:t>
             </a:r>
             <a:r>
               <a:rPr lang="fr-FR" dirty="0" smtClean="0"/>
-              <a:t> en 2 composants</a:t>
+              <a:t> en </a:t>
+            </a:r>
+            <a:r>
+              <a:rPr lang="fr-FR" dirty="0" smtClean="0"/>
+              <a:t>2 composants</a:t>
             </a:r>
           </a:p>
           <a:p>
@@ -5232,195 +4097,6 @@
 </file>
 
 <file path=ppt/slides/slide3.xml><?xml version="1.0" encoding="utf-8"?>
-<p:sld xmlns:a="http://schemas.openxmlformats.org/drawingml/2006/main" xmlns:r="http://schemas.openxmlformats.org/officeDocument/2006/relationships" xmlns:p="http://schemas.openxmlformats.org/presentationml/2006/main">
-  <p:cSld>
-    <p:spTree>
-      <p:nvGrpSpPr>
-        <p:cNvPr id="1" name=""/>
-        <p:cNvGrpSpPr/>
-        <p:nvPr/>
-      </p:nvGrpSpPr>
-      <p:grpSpPr>
-        <a:xfrm>
-          <a:off x="0" y="0"/>
-          <a:ext cx="0" cy="0"/>
-          <a:chOff x="0" y="0"/>
-          <a:chExt cx="0" cy="0"/>
-        </a:xfrm>
-      </p:grpSpPr>
-      <p:sp>
-        <p:nvSpPr>
-          <p:cNvPr id="2" name="Titre 1"/>
-          <p:cNvSpPr>
-            <a:spLocks noGrp="1"/>
-          </p:cNvSpPr>
-          <p:nvPr>
-            <p:ph type="title"/>
-          </p:nvPr>
-        </p:nvSpPr>
-        <p:spPr/>
-        <p:txBody>
-          <a:bodyPr/>
-          <a:lstStyle/>
-          <a:p>
-            <a:r>
-              <a:rPr lang="fr-FR" dirty="0" smtClean="0"/>
-              <a:t>Rappel </a:t>
-            </a:r>
-            <a:r>
-              <a:rPr lang="fr-FR" dirty="0" err="1" smtClean="0"/>
-              <a:t>Ng</a:t>
-            </a:r>
-            <a:r>
-              <a:rPr lang="fr-FR" dirty="0" smtClean="0"/>
-              <a:t> </a:t>
-            </a:r>
-            <a:r>
-              <a:rPr lang="fr-FR" dirty="0" err="1" smtClean="0"/>
-              <a:t>generate</a:t>
-            </a:r>
-            <a:endParaRPr lang="fr-FR" dirty="0"/>
-          </a:p>
-        </p:txBody>
-      </p:sp>
-      <p:sp>
-        <p:nvSpPr>
-          <p:cNvPr id="3" name="Espace réservé du contenu 2"/>
-          <p:cNvSpPr>
-            <a:spLocks noGrp="1"/>
-          </p:cNvSpPr>
-          <p:nvPr>
-            <p:ph idx="1"/>
-          </p:nvPr>
-        </p:nvSpPr>
-        <p:spPr/>
-        <p:txBody>
-          <a:bodyPr/>
-          <a:lstStyle/>
-          <a:p>
-            <a:r>
-              <a:rPr lang="fr-FR" dirty="0" smtClean="0"/>
-              <a:t>Afin d’éviter la saisie du code des 3 fichiers .html, .</a:t>
-            </a:r>
-            <a:r>
-              <a:rPr lang="fr-FR" dirty="0" err="1" smtClean="0"/>
-              <a:t>css</a:t>
-            </a:r>
-            <a:r>
-              <a:rPr lang="fr-FR" dirty="0" smtClean="0"/>
-              <a:t> et .</a:t>
-            </a:r>
-            <a:r>
-              <a:rPr lang="fr-FR" dirty="0" err="1" smtClean="0"/>
-              <a:t>ts</a:t>
-            </a:r>
-            <a:r>
-              <a:rPr lang="fr-FR" dirty="0" smtClean="0"/>
-              <a:t> une commande a été créée</a:t>
-            </a:r>
-          </a:p>
-          <a:p>
-            <a:r>
-              <a:rPr lang="fr-FR" dirty="0" err="1" smtClean="0"/>
-              <a:t>Ng</a:t>
-            </a:r>
-            <a:r>
-              <a:rPr lang="fr-FR" dirty="0" smtClean="0"/>
-              <a:t> </a:t>
-            </a:r>
-            <a:r>
-              <a:rPr lang="fr-FR" dirty="0" err="1" smtClean="0"/>
-              <a:t>generate</a:t>
-            </a:r>
-            <a:r>
-              <a:rPr lang="fr-FR" dirty="0" smtClean="0"/>
-              <a:t> </a:t>
-            </a:r>
-            <a:r>
-              <a:rPr lang="fr-FR" smtClean="0"/>
-              <a:t>component nom-du-composant</a:t>
-            </a:r>
-            <a:endParaRPr lang="fr-FR" dirty="0" smtClean="0"/>
-          </a:p>
-          <a:p>
-            <a:r>
-              <a:rPr lang="fr-FR" dirty="0" smtClean="0"/>
-              <a:t>Exemple</a:t>
-            </a:r>
-          </a:p>
-          <a:p>
-            <a:pPr lvl="1"/>
-            <a:r>
-              <a:rPr lang="fr-FR" dirty="0" err="1"/>
-              <a:t>ng</a:t>
-            </a:r>
-            <a:r>
-              <a:rPr lang="fr-FR" dirty="0"/>
-              <a:t> </a:t>
-            </a:r>
-            <a:r>
-              <a:rPr lang="fr-FR" dirty="0" err="1"/>
-              <a:t>generate</a:t>
-            </a:r>
-            <a:r>
-              <a:rPr lang="fr-FR" dirty="0"/>
-              <a:t> component </a:t>
-            </a:r>
-            <a:r>
-              <a:rPr lang="fr-FR" dirty="0" err="1" smtClean="0"/>
-              <a:t>hero-detail</a:t>
-            </a:r>
-            <a:endParaRPr lang="fr-FR" dirty="0" smtClean="0"/>
-          </a:p>
-          <a:p>
-            <a:pPr lvl="1"/>
-            <a:r>
-              <a:rPr lang="fr-FR" dirty="0" smtClean="0"/>
-              <a:t>Génère les 3 fichiers</a:t>
-            </a:r>
-          </a:p>
-          <a:p>
-            <a:pPr lvl="1"/>
-            <a:r>
-              <a:rPr lang="fr-FR" dirty="0" smtClean="0"/>
-              <a:t>Avec du code</a:t>
-            </a:r>
-          </a:p>
-          <a:p>
-            <a:pPr lvl="1"/>
-            <a:r>
-              <a:rPr lang="fr-FR" dirty="0" smtClean="0"/>
-              <a:t>Dans le répertoire </a:t>
-            </a:r>
-            <a:r>
-              <a:rPr lang="fr-FR" dirty="0" err="1" smtClean="0"/>
-              <a:t>heroes</a:t>
-            </a:r>
-            <a:endParaRPr lang="fr-FR" dirty="0"/>
-          </a:p>
-        </p:txBody>
-      </p:sp>
-    </p:spTree>
-    <p:extLst>
-      <p:ext uri="{BB962C8B-B14F-4D97-AF65-F5344CB8AC3E}">
-        <p14:creationId xmlns:p14="http://schemas.microsoft.com/office/powerpoint/2010/main" val="1472665643"/>
-      </p:ext>
-    </p:extLst>
-  </p:cSld>
-  <p:clrMapOvr>
-    <a:masterClrMapping/>
-  </p:clrMapOvr>
-  <p:timing>
-    <p:tnLst>
-      <p:par>
-        <p:cTn id="1" dur="indefinite" restart="never" nodeType="tmRoot"/>
-      </p:par>
-    </p:tnLst>
-  </p:timing>
-</p:sld>
-</file>
-
-<file path=ppt/slides/slide4.xml><?xml version="1.0" encoding="utf-8"?>
 <p:sld xmlns:a="http://schemas.openxmlformats.org/drawingml/2006/main" xmlns:r="http://schemas.openxmlformats.org/officeDocument/2006/relationships" xmlns:p="http://schemas.openxmlformats.org/presentationml/2006/main">
   <p:cSld>
     <p:spTree>
@@ -5595,6 +4271,214 @@
 </p:sld>
 </file>
 
+<file path=ppt/slides/slide4.xml><?xml version="1.0" encoding="utf-8"?>
+<p:sld xmlns:a="http://schemas.openxmlformats.org/drawingml/2006/main" xmlns:r="http://schemas.openxmlformats.org/officeDocument/2006/relationships" xmlns:p="http://schemas.openxmlformats.org/presentationml/2006/main">
+  <p:cSld>
+    <p:spTree>
+      <p:nvGrpSpPr>
+        <p:cNvPr id="1" name=""/>
+        <p:cNvGrpSpPr/>
+        <p:nvPr/>
+      </p:nvGrpSpPr>
+      <p:grpSpPr>
+        <a:xfrm>
+          <a:off x="0" y="0"/>
+          <a:ext cx="0" cy="0"/>
+          <a:chOff x="0" y="0"/>
+          <a:chExt cx="0" cy="0"/>
+        </a:xfrm>
+      </p:grpSpPr>
+      <p:sp>
+        <p:nvSpPr>
+          <p:cNvPr id="2" name="Titre 1"/>
+          <p:cNvSpPr>
+            <a:spLocks noGrp="1"/>
+          </p:cNvSpPr>
+          <p:nvPr>
+            <p:ph type="title"/>
+          </p:nvPr>
+        </p:nvSpPr>
+        <p:spPr/>
+        <p:txBody>
+          <a:bodyPr/>
+          <a:lstStyle/>
+          <a:p>
+            <a:r>
+              <a:rPr lang="fr-FR" dirty="0" smtClean="0"/>
+              <a:t>Décorateur @Input</a:t>
+            </a:r>
+            <a:endParaRPr lang="fr-FR" dirty="0"/>
+          </a:p>
+        </p:txBody>
+      </p:sp>
+      <p:sp>
+        <p:nvSpPr>
+          <p:cNvPr id="3" name="Espace réservé du contenu 2"/>
+          <p:cNvSpPr>
+            <a:spLocks noGrp="1"/>
+          </p:cNvSpPr>
+          <p:nvPr>
+            <p:ph idx="1"/>
+          </p:nvPr>
+        </p:nvSpPr>
+        <p:spPr/>
+        <p:txBody>
+          <a:bodyPr/>
+          <a:lstStyle/>
+          <a:p>
+            <a:r>
+              <a:rPr lang="fr-FR" dirty="0" smtClean="0"/>
+              <a:t>Il est possible de passer des paramètres au composant</a:t>
+            </a:r>
+          </a:p>
+          <a:p>
+            <a:pPr lvl="1"/>
+            <a:r>
+              <a:rPr lang="fr-FR" dirty="0" smtClean="0"/>
+              <a:t>Egalement valable pour les directives</a:t>
+            </a:r>
+          </a:p>
+          <a:p>
+            <a:r>
+              <a:rPr lang="fr-FR" dirty="0" smtClean="0"/>
+              <a:t>Via la directive @Input qui décore un attribut</a:t>
+            </a:r>
+          </a:p>
+          <a:p>
+            <a:r>
+              <a:rPr lang="fr-FR" dirty="0" smtClean="0"/>
+              <a:t>Exemple</a:t>
+            </a:r>
+          </a:p>
+          <a:p>
+            <a:pPr lvl="1"/>
+            <a:r>
+              <a:rPr lang="fr-FR" dirty="0"/>
+              <a:t>@Input() </a:t>
+            </a:r>
+            <a:r>
+              <a:rPr lang="fr-FR" dirty="0" err="1"/>
+              <a:t>hero</a:t>
+            </a:r>
+            <a:r>
+              <a:rPr lang="fr-FR" dirty="0"/>
+              <a:t>: </a:t>
+            </a:r>
+            <a:r>
+              <a:rPr lang="fr-FR" dirty="0" err="1"/>
+              <a:t>Hero</a:t>
+            </a:r>
+            <a:r>
+              <a:rPr lang="fr-FR" dirty="0" smtClean="0"/>
+              <a:t>;</a:t>
+            </a:r>
+          </a:p>
+          <a:p>
+            <a:pPr lvl="1"/>
+            <a:r>
+              <a:rPr lang="fr-FR" dirty="0" smtClean="0"/>
+              <a:t>Input doit être au préalablement importé</a:t>
+            </a:r>
+          </a:p>
+          <a:p>
+            <a:pPr lvl="1"/>
+            <a:r>
+              <a:rPr lang="en-US" dirty="0"/>
+              <a:t>import { Component, </a:t>
+            </a:r>
+            <a:r>
+              <a:rPr lang="en-US" dirty="0" err="1"/>
+              <a:t>OnInit</a:t>
+            </a:r>
+            <a:r>
+              <a:rPr lang="en-US" dirty="0"/>
+              <a:t>, Input } from '@angular/core</a:t>
+            </a:r>
+            <a:r>
+              <a:rPr lang="en-US" dirty="0" smtClean="0"/>
+              <a:t>';</a:t>
+            </a:r>
+          </a:p>
+          <a:p>
+            <a:r>
+              <a:rPr lang="en-US" dirty="0" err="1" smtClean="0"/>
+              <a:t>Peut</a:t>
+            </a:r>
+            <a:r>
+              <a:rPr lang="en-US" dirty="0" smtClean="0"/>
+              <a:t> </a:t>
+            </a:r>
+            <a:r>
+              <a:rPr lang="en-US" dirty="0" err="1" smtClean="0"/>
+              <a:t>être</a:t>
+            </a:r>
+            <a:r>
+              <a:rPr lang="en-US" dirty="0" smtClean="0"/>
+              <a:t> </a:t>
+            </a:r>
+            <a:r>
+              <a:rPr lang="en-US" dirty="0" err="1" smtClean="0"/>
+              <a:t>utilisé</a:t>
+            </a:r>
+            <a:r>
+              <a:rPr lang="en-US" dirty="0" smtClean="0"/>
+              <a:t> sur un setter</a:t>
+            </a:r>
+          </a:p>
+          <a:p>
+            <a:pPr lvl="1"/>
+            <a:endParaRPr lang="en-US" dirty="0" smtClean="0"/>
+          </a:p>
+          <a:p>
+            <a:pPr lvl="1"/>
+            <a:endParaRPr lang="en-US" dirty="0" smtClean="0"/>
+          </a:p>
+        </p:txBody>
+      </p:sp>
+      <p:pic>
+        <p:nvPicPr>
+          <p:cNvPr id="4" name="Image 3"/>
+          <p:cNvPicPr>
+            <a:picLocks noChangeAspect="1"/>
+          </p:cNvPicPr>
+          <p:nvPr/>
+        </p:nvPicPr>
+        <p:blipFill>
+          <a:blip r:embed="rId2"/>
+          <a:stretch>
+            <a:fillRect/>
+          </a:stretch>
+        </p:blipFill>
+        <p:spPr>
+          <a:xfrm>
+            <a:off x="2339752" y="5568289"/>
+            <a:ext cx="4752528" cy="1124482"/>
+          </a:xfrm>
+          <a:prstGeom prst="rect">
+            <a:avLst/>
+          </a:prstGeom>
+        </p:spPr>
+      </p:pic>
+    </p:spTree>
+    <p:extLst>
+      <p:ext uri="{BB962C8B-B14F-4D97-AF65-F5344CB8AC3E}">
+        <p14:creationId xmlns:p14="http://schemas.microsoft.com/office/powerpoint/2010/main" val="11807370"/>
+      </p:ext>
+    </p:extLst>
+  </p:cSld>
+  <p:clrMapOvr>
+    <a:masterClrMapping/>
+  </p:clrMapOvr>
+  <p:timing>
+    <p:tnLst>
+      <p:par>
+        <p:cTn id="1" dur="indefinite" restart="never" nodeType="tmRoot"/>
+      </p:par>
+    </p:tnLst>
+  </p:timing>
+</p:sld>
+</file>
+
 <file path=ppt/slides/slide5.xml><?xml version="1.0" encoding="utf-8"?>
 <p:sld xmlns:a="http://schemas.openxmlformats.org/drawingml/2006/main" xmlns:r="http://schemas.openxmlformats.org/officeDocument/2006/relationships" xmlns:p="http://schemas.openxmlformats.org/presentationml/2006/main">
   <p:cSld>
@@ -5629,7 +4513,7 @@
           <a:p>
             <a:r>
               <a:rPr lang="fr-FR" dirty="0" smtClean="0"/>
-              <a:t>Décorateur @Input</a:t>
+              <a:t>[ ]</a:t>
             </a:r>
             <a:endParaRPr lang="fr-FR" dirty="0"/>
           </a:p>
@@ -5652,20 +4536,14 @@
           <a:p>
             <a:r>
               <a:rPr lang="fr-FR" dirty="0" smtClean="0"/>
-              <a:t>Il est possible de passer des paramètres au composant</a:t>
+              <a:t>Le passage de paramètre d’un composant se fait via [ ]</a:t>
             </a:r>
           </a:p>
           <a:p>
             <a:pPr lvl="1"/>
             <a:r>
               <a:rPr lang="fr-FR" dirty="0" smtClean="0"/>
-              <a:t>Egalement valable pour les directives</a:t>
-            </a:r>
-          </a:p>
-          <a:p>
-            <a:r>
-              <a:rPr lang="fr-FR" dirty="0" smtClean="0"/>
-              <a:t>Via la directive @Input qui décore un attribut</a:t>
+              <a:t>@Input obligatoire</a:t>
             </a:r>
           </a:p>
           <a:p>
@@ -5677,8 +4555,16 @@
           <a:p>
             <a:pPr lvl="1"/>
             <a:r>
+              <a:rPr lang="fr-FR" dirty="0" smtClean="0"/>
+              <a:t>&lt;</a:t>
+            </a:r>
+            <a:r>
+              <a:rPr lang="fr-FR" dirty="0" err="1"/>
+              <a:t>app-hero-detail</a:t>
+            </a:r>
+            <a:r>
               <a:rPr lang="fr-FR" dirty="0"/>
-              <a:t>@Input() </a:t>
+              <a:t> [</a:t>
             </a:r>
             <a:r>
               <a:rPr lang="fr-FR" dirty="0" err="1"/>
@@ -5686,107 +4572,45 @@
             </a:r>
             <a:r>
               <a:rPr lang="fr-FR" dirty="0"/>
-              <a:t>: </a:t>
+              <a:t>]="</a:t>
             </a:r>
             <a:r>
               <a:rPr lang="fr-FR" dirty="0" err="1"/>
-              <a:t>Hero</a:t>
+              <a:t>selectedHero</a:t>
+            </a:r>
+            <a:r>
+              <a:rPr lang="fr-FR" dirty="0"/>
+              <a:t>"&gt;&lt;/</a:t>
+            </a:r>
+            <a:r>
+              <a:rPr lang="fr-FR" dirty="0" err="1"/>
+              <a:t>app-hero-detail</a:t>
             </a:r>
             <a:r>
               <a:rPr lang="fr-FR" dirty="0" smtClean="0"/>
-              <a:t>;</a:t>
-            </a:r>
-          </a:p>
-          <a:p>
-            <a:pPr lvl="1"/>
+              <a:t>&gt;</a:t>
+            </a:r>
+          </a:p>
+          <a:p>
             <a:r>
               <a:rPr lang="fr-FR" dirty="0" smtClean="0"/>
-              <a:t>Input doit être au préalablement importé</a:t>
-            </a:r>
-          </a:p>
-          <a:p>
-            <a:pPr lvl="1"/>
-            <a:r>
-              <a:rPr lang="en-US" dirty="0"/>
-              <a:t>import { Component, </a:t>
-            </a:r>
-            <a:r>
-              <a:rPr lang="en-US" dirty="0" err="1"/>
-              <a:t>OnInit</a:t>
-            </a:r>
-            <a:r>
-              <a:rPr lang="en-US" dirty="0"/>
-              <a:t>, Input } from '@angular/core</a:t>
-            </a:r>
-            <a:r>
-              <a:rPr lang="en-US" dirty="0" smtClean="0"/>
-              <a:t>';</a:t>
-            </a:r>
-          </a:p>
-          <a:p>
-            <a:r>
-              <a:rPr lang="en-US" dirty="0" err="1" smtClean="0"/>
-              <a:t>Peut</a:t>
-            </a:r>
-            <a:r>
-              <a:rPr lang="en-US" dirty="0" smtClean="0"/>
-              <a:t> </a:t>
-            </a:r>
-            <a:r>
-              <a:rPr lang="en-US" dirty="0" err="1" smtClean="0"/>
-              <a:t>être</a:t>
-            </a:r>
-            <a:r>
-              <a:rPr lang="en-US" dirty="0" smtClean="0"/>
-              <a:t> </a:t>
-            </a:r>
-            <a:r>
-              <a:rPr lang="en-US" dirty="0" err="1" smtClean="0"/>
-              <a:t>utilisé</a:t>
-            </a:r>
-            <a:r>
-              <a:rPr lang="en-US" dirty="0" smtClean="0"/>
-              <a:t> sur un setter</a:t>
-            </a:r>
-          </a:p>
-          <a:p>
-            <a:pPr lvl="1"/>
-            <a:endParaRPr lang="en-US" dirty="0" smtClean="0"/>
-          </a:p>
-          <a:p>
-            <a:pPr lvl="1"/>
-            <a:endParaRPr lang="en-US" dirty="0" smtClean="0"/>
+              <a:t>Il s'agit en fait d'une autre écriture du binding one </a:t>
+            </a:r>
+            <a:r>
+              <a:rPr lang="fr-FR" dirty="0" err="1" smtClean="0"/>
+              <a:t>way</a:t>
+            </a:r>
+            <a:endParaRPr lang="fr-FR" dirty="0"/>
+          </a:p>
+          <a:p>
+            <a:endParaRPr lang="fr-FR" dirty="0"/>
           </a:p>
         </p:txBody>
       </p:sp>
-      <p:pic>
-        <p:nvPicPr>
-          <p:cNvPr id="4" name="Image 3"/>
-          <p:cNvPicPr>
-            <a:picLocks noChangeAspect="1"/>
-          </p:cNvPicPr>
-          <p:nvPr/>
-        </p:nvPicPr>
-        <p:blipFill>
-          <a:blip r:embed="rId2"/>
-          <a:stretch>
-            <a:fillRect/>
-          </a:stretch>
-        </p:blipFill>
-        <p:spPr>
-          <a:xfrm>
-            <a:off x="2339752" y="5568289"/>
-            <a:ext cx="4752528" cy="1124482"/>
-          </a:xfrm>
-          <a:prstGeom prst="rect">
-            <a:avLst/>
-          </a:prstGeom>
-        </p:spPr>
-      </p:pic>
     </p:spTree>
     <p:extLst>
       <p:ext uri="{BB962C8B-B14F-4D97-AF65-F5344CB8AC3E}">
-        <p14:creationId xmlns:p14="http://schemas.microsoft.com/office/powerpoint/2010/main" val="11807370"/>
+        <p14:creationId xmlns:p14="http://schemas.microsoft.com/office/powerpoint/2010/main" val="3491855755"/>
       </p:ext>
     </p:extLst>
   </p:cSld>
@@ -5837,7 +4661,7 @@
           <a:p>
             <a:r>
               <a:rPr lang="fr-FR" dirty="0" smtClean="0"/>
-              <a:t>[ ]</a:t>
+              <a:t>@Output</a:t>
             </a:r>
             <a:endParaRPr lang="fr-FR" dirty="0"/>
           </a:p>
@@ -5860,81 +4684,95 @@
           <a:p>
             <a:r>
               <a:rPr lang="fr-FR" dirty="0" smtClean="0"/>
-              <a:t>Le passage de paramètre d’un composant se fait via [ ]</a:t>
-            </a:r>
-          </a:p>
-          <a:p>
-            <a:pPr lvl="1"/>
+              <a:t>@Output est l'inverse de @Input il est utile pour les évènements</a:t>
+            </a:r>
+          </a:p>
+          <a:p>
+            <a:endParaRPr lang="fr-FR" dirty="0"/>
+          </a:p>
+          <a:p>
+            <a:endParaRPr lang="fr-FR" dirty="0" smtClean="0"/>
+          </a:p>
+          <a:p>
+            <a:endParaRPr lang="fr-FR" dirty="0"/>
+          </a:p>
+          <a:p>
             <a:r>
               <a:rPr lang="fr-FR" dirty="0" smtClean="0"/>
-              <a:t>@Input obligatoire</a:t>
-            </a:r>
-          </a:p>
-          <a:p>
-            <a:r>
-              <a:rPr lang="fr-FR" dirty="0" smtClean="0"/>
-              <a:t>Exemple</a:t>
-            </a:r>
-          </a:p>
-          <a:p>
-            <a:pPr lvl="1"/>
-            <a:r>
-              <a:rPr lang="fr-FR" dirty="0" smtClean="0"/>
-              <a:t>&lt;</a:t>
-            </a:r>
-            <a:r>
-              <a:rPr lang="fr-FR" dirty="0" err="1"/>
-              <a:t>app-hero-detail</a:t>
-            </a:r>
-            <a:r>
-              <a:rPr lang="fr-FR" dirty="0"/>
-              <a:t> [</a:t>
-            </a:r>
-            <a:r>
-              <a:rPr lang="fr-FR" dirty="0" err="1"/>
-              <a:t>hero</a:t>
-            </a:r>
-            <a:r>
-              <a:rPr lang="fr-FR" dirty="0"/>
-              <a:t>]="</a:t>
-            </a:r>
-            <a:r>
-              <a:rPr lang="fr-FR" dirty="0" err="1"/>
-              <a:t>selectedHero</a:t>
-            </a:r>
-            <a:r>
-              <a:rPr lang="fr-FR" dirty="0"/>
-              <a:t>"&gt;&lt;/</a:t>
-            </a:r>
-            <a:r>
-              <a:rPr lang="fr-FR" dirty="0" err="1"/>
-              <a:t>app-hero-detail</a:t>
-            </a:r>
-            <a:r>
-              <a:rPr lang="fr-FR" dirty="0" smtClean="0"/>
-              <a:t>&gt;</a:t>
-            </a:r>
-          </a:p>
-          <a:p>
-            <a:r>
-              <a:rPr lang="fr-FR" dirty="0" smtClean="0"/>
-              <a:t>Il s'agit en fait d'une autre écriture du binding one </a:t>
+              <a:t>Appelable avec () car c'est un one </a:t>
             </a:r>
             <a:r>
               <a:rPr lang="fr-FR" dirty="0" err="1" smtClean="0"/>
               <a:t>way</a:t>
             </a:r>
-            <a:endParaRPr lang="fr-FR" dirty="0"/>
+            <a:r>
+              <a:rPr lang="fr-FR" dirty="0" smtClean="0"/>
+              <a:t> to source</a:t>
+            </a:r>
+          </a:p>
+          <a:p>
+            <a:endParaRPr lang="fr-FR" dirty="0" smtClean="0"/>
+          </a:p>
+          <a:p>
+            <a:endParaRPr lang="fr-FR" dirty="0" smtClean="0"/>
           </a:p>
           <a:p>
             <a:endParaRPr lang="fr-FR" dirty="0"/>
           </a:p>
         </p:txBody>
       </p:sp>
+      <p:pic>
+        <p:nvPicPr>
+          <p:cNvPr id="4" name="Image 3"/>
+          <p:cNvPicPr>
+            <a:picLocks noChangeAspect="1"/>
+          </p:cNvPicPr>
+          <p:nvPr/>
+        </p:nvPicPr>
+        <p:blipFill>
+          <a:blip r:embed="rId2"/>
+          <a:stretch>
+            <a:fillRect/>
+          </a:stretch>
+        </p:blipFill>
+        <p:spPr>
+          <a:xfrm>
+            <a:off x="1054472" y="2492896"/>
+            <a:ext cx="6375708" cy="1440160"/>
+          </a:xfrm>
+          <a:prstGeom prst="rect">
+            <a:avLst/>
+          </a:prstGeom>
+        </p:spPr>
+      </p:pic>
+      <p:pic>
+        <p:nvPicPr>
+          <p:cNvPr id="6" name="Image 5"/>
+          <p:cNvPicPr>
+            <a:picLocks noChangeAspect="1"/>
+          </p:cNvPicPr>
+          <p:nvPr/>
+        </p:nvPicPr>
+        <p:blipFill>
+          <a:blip r:embed="rId3"/>
+          <a:stretch>
+            <a:fillRect/>
+          </a:stretch>
+        </p:blipFill>
+        <p:spPr>
+          <a:xfrm>
+            <a:off x="1187623" y="4774096"/>
+            <a:ext cx="7245861" cy="1103176"/>
+          </a:xfrm>
+          <a:prstGeom prst="rect">
+            <a:avLst/>
+          </a:prstGeom>
+        </p:spPr>
+      </p:pic>
     </p:spTree>
     <p:extLst>
       <p:ext uri="{BB962C8B-B14F-4D97-AF65-F5344CB8AC3E}">
-        <p14:creationId xmlns:p14="http://schemas.microsoft.com/office/powerpoint/2010/main" val="3491855755"/>
+        <p14:creationId xmlns:p14="http://schemas.microsoft.com/office/powerpoint/2010/main" val="4100674082"/>
       </p:ext>
     </p:extLst>
   </p:cSld>
@@ -5985,7 +4823,11 @@
           <a:p>
             <a:r>
               <a:rPr lang="fr-FR" dirty="0" smtClean="0"/>
-              <a:t>Propriétés</a:t>
+              <a:t>$</a:t>
+            </a:r>
+            <a:r>
+              <a:rPr lang="fr-FR" dirty="0" err="1" smtClean="0"/>
+              <a:t>event</a:t>
             </a:r>
             <a:endParaRPr lang="fr-FR" dirty="0"/>
           </a:p>
@@ -6007,140 +4849,163 @@
           <a:lstStyle/>
           <a:p>
             <a:r>
+              <a:rPr lang="fr-FR" dirty="0" err="1" smtClean="0"/>
+              <a:t>Angular</a:t>
+            </a:r>
+            <a:r>
               <a:rPr lang="fr-FR" dirty="0" smtClean="0"/>
-              <a:t>Propriété d'élément</a:t>
+              <a:t> </a:t>
+            </a:r>
+            <a:r>
+              <a:rPr lang="fr-FR" dirty="0" err="1" smtClean="0"/>
+              <a:t>emet</a:t>
+            </a:r>
+            <a:r>
+              <a:rPr lang="fr-FR" dirty="0" smtClean="0"/>
+              <a:t> un </a:t>
+            </a:r>
+            <a:r>
+              <a:rPr lang="fr-FR" dirty="0" smtClean="0"/>
+              <a:t>$</a:t>
+            </a:r>
+            <a:r>
+              <a:rPr lang="fr-FR" dirty="0" err="1" smtClean="0"/>
+              <a:t>event</a:t>
+            </a:r>
+            <a:r>
+              <a:rPr lang="fr-FR" dirty="0" smtClean="0"/>
+              <a:t> avec </a:t>
+            </a:r>
+            <a:r>
+              <a:rPr lang="fr-FR" dirty="0" err="1" smtClean="0"/>
+              <a:t>EventEmitter</a:t>
+            </a:r>
+            <a:endParaRPr lang="fr-FR" dirty="0" smtClean="0"/>
+          </a:p>
+          <a:p>
+            <a:endParaRPr lang="fr-FR" dirty="0" smtClean="0"/>
+          </a:p>
+          <a:p>
+            <a:endParaRPr lang="fr-FR" dirty="0" smtClean="0"/>
+          </a:p>
+          <a:p>
+            <a:endParaRPr lang="fr-FR" dirty="0"/>
+          </a:p>
+          <a:p>
+            <a:r>
+              <a:rPr lang="fr-FR" dirty="0" smtClean="0"/>
+              <a:t>$</a:t>
+            </a:r>
+            <a:r>
+              <a:rPr lang="fr-FR" dirty="0" err="1"/>
+              <a:t>event</a:t>
+            </a:r>
+            <a:r>
+              <a:rPr lang="fr-FR" dirty="0"/>
+              <a:t> permet de retrouver les évènements du </a:t>
+            </a:r>
+            <a:r>
+              <a:rPr lang="fr-FR" dirty="0" smtClean="0"/>
+              <a:t>DOM</a:t>
             </a:r>
           </a:p>
           <a:p>
             <a:pPr lvl="1"/>
             <a:r>
-              <a:rPr lang="fr-FR" dirty="0"/>
+              <a:rPr lang="en-US" dirty="0"/>
               <a:t>&lt;</a:t>
             </a:r>
             <a:r>
-              <a:rPr lang="fr-FR" dirty="0" err="1"/>
-              <a:t>img</a:t>
-            </a:r>
-            <a:r>
-              <a:rPr lang="fr-FR" dirty="0"/>
-              <a:t> [</a:t>
-            </a:r>
-            <a:r>
-              <a:rPr lang="fr-FR" dirty="0" err="1"/>
-              <a:t>src</a:t>
-            </a:r>
-            <a:r>
-              <a:rPr lang="fr-FR" dirty="0"/>
-              <a:t>]="</a:t>
-            </a:r>
-            <a:r>
-              <a:rPr lang="fr-FR" dirty="0" err="1"/>
-              <a:t>heroImageUrl</a:t>
-            </a:r>
-            <a:r>
-              <a:rPr lang="fr-FR" dirty="0" smtClean="0"/>
-              <a:t>"&gt;</a:t>
-            </a:r>
-          </a:p>
-          <a:p>
-            <a:r>
-              <a:rPr lang="fr-FR" dirty="0" smtClean="0"/>
-              <a:t>Propriété de composant</a:t>
-            </a:r>
+              <a:rPr lang="en-US" dirty="0" smtClean="0"/>
+              <a:t>app-hero-detail [hero]="</a:t>
+            </a:r>
+            <a:r>
+              <a:rPr lang="en-US" dirty="0" err="1" smtClean="0"/>
+              <a:t>selectedHero</a:t>
+            </a:r>
+            <a:r>
+              <a:rPr lang="en-US" dirty="0" smtClean="0"/>
+              <a:t>" </a:t>
+            </a:r>
+            <a:r>
+              <a:rPr lang="en-US" dirty="0"/>
+              <a:t>(</a:t>
+            </a:r>
+            <a:r>
+              <a:rPr lang="en-US" dirty="0" err="1"/>
+              <a:t>deleteRequest</a:t>
+            </a:r>
+            <a:r>
+              <a:rPr lang="en-US" dirty="0"/>
+              <a:t>)="</a:t>
+            </a:r>
+            <a:r>
+              <a:rPr lang="en-US" dirty="0" err="1" smtClean="0"/>
+              <a:t>deleteHero</a:t>
+            </a:r>
+            <a:r>
+              <a:rPr lang="en-US" dirty="0" smtClean="0"/>
+              <a:t>($</a:t>
+            </a:r>
+            <a:r>
+              <a:rPr lang="en-US" dirty="0"/>
+              <a:t>event)"&gt;&lt;/app-game-detail&gt;</a:t>
+            </a:r>
+          </a:p>
+          <a:p>
+            <a:pPr lvl="1"/>
             <a:endParaRPr lang="fr-FR" dirty="0"/>
           </a:p>
           <a:p>
+            <a:endParaRPr lang="fr-FR" dirty="0" smtClean="0"/>
+          </a:p>
+          <a:p>
             <a:pPr lvl="1"/>
-            <a:r>
-              <a:rPr lang="fr-FR" dirty="0"/>
-              <a:t>&lt;</a:t>
-            </a:r>
-            <a:r>
-              <a:rPr lang="fr-FR" dirty="0" err="1"/>
-              <a:t>app-hero-detail</a:t>
-            </a:r>
-            <a:r>
-              <a:rPr lang="fr-FR" dirty="0"/>
-              <a:t> [</a:t>
-            </a:r>
-            <a:r>
-              <a:rPr lang="fr-FR" dirty="0" err="1"/>
-              <a:t>hero</a:t>
-            </a:r>
-            <a:r>
-              <a:rPr lang="fr-FR" dirty="0"/>
-              <a:t>]="</a:t>
-            </a:r>
-            <a:r>
-              <a:rPr lang="fr-FR" dirty="0" err="1"/>
-              <a:t>currentHero</a:t>
-            </a:r>
-            <a:r>
-              <a:rPr lang="fr-FR" dirty="0"/>
-              <a:t>"&gt;&lt;/</a:t>
-            </a:r>
-            <a:r>
-              <a:rPr lang="fr-FR" dirty="0" err="1"/>
-              <a:t>app-hero-detail</a:t>
-            </a:r>
-            <a:r>
-              <a:rPr lang="fr-FR" dirty="0"/>
-              <a:t>&gt;</a:t>
-            </a:r>
-          </a:p>
-          <a:p>
-            <a:r>
-              <a:rPr lang="fr-FR" dirty="0" smtClean="0"/>
-              <a:t>Propriété de directive</a:t>
-            </a:r>
-          </a:p>
-          <a:p>
-            <a:pPr lvl="1"/>
-            <a:r>
-              <a:rPr lang="fr-FR" dirty="0" smtClean="0"/>
-              <a:t>&lt;</a:t>
-            </a:r>
-            <a:r>
-              <a:rPr lang="fr-FR" dirty="0"/>
-              <a:t>div [</a:t>
-            </a:r>
-            <a:r>
-              <a:rPr lang="fr-FR" dirty="0" err="1"/>
-              <a:t>ngClass</a:t>
-            </a:r>
-            <a:r>
-              <a:rPr lang="fr-FR" dirty="0"/>
-              <a:t>]="{'</a:t>
-            </a:r>
-            <a:r>
-              <a:rPr lang="fr-FR" dirty="0" err="1"/>
-              <a:t>special</a:t>
-            </a:r>
-            <a:r>
-              <a:rPr lang="fr-FR" dirty="0"/>
-              <a:t>': </a:t>
-            </a:r>
-            <a:r>
-              <a:rPr lang="fr-FR" dirty="0" err="1"/>
-              <a:t>isSpecial</a:t>
-            </a:r>
-            <a:r>
-              <a:rPr lang="fr-FR" dirty="0"/>
-              <a:t>}"&gt;&lt;/div&gt;</a:t>
-            </a:r>
+            <a:endParaRPr lang="fr-FR" dirty="0"/>
           </a:p>
         </p:txBody>
       </p:sp>
+      <p:pic>
+        <p:nvPicPr>
+          <p:cNvPr id="5" name="Image 4"/>
+          <p:cNvPicPr>
+            <a:picLocks noChangeAspect="1"/>
+          </p:cNvPicPr>
+          <p:nvPr/>
+        </p:nvPicPr>
+        <p:blipFill>
+          <a:blip r:embed="rId2"/>
+          <a:stretch>
+            <a:fillRect/>
+          </a:stretch>
+        </p:blipFill>
+        <p:spPr>
+          <a:xfrm>
+            <a:off x="1979712" y="1988840"/>
+            <a:ext cx="4320480" cy="1546535"/>
+          </a:xfrm>
+          <a:prstGeom prst="rect">
+            <a:avLst/>
+          </a:prstGeom>
+        </p:spPr>
+      </p:pic>
     </p:spTree>
     <p:extLst>
       <p:ext uri="{BB962C8B-B14F-4D97-AF65-F5344CB8AC3E}">
-        <p14:creationId xmlns:p14="http://schemas.microsoft.com/office/powerpoint/2010/main" val="3506471584"/>
+        <p14:creationId xmlns:p14="http://schemas.microsoft.com/office/powerpoint/2010/main" val="2933571031"/>
       </p:ext>
     </p:extLst>
   </p:cSld>
   <p:clrMapOvr>
     <a:masterClrMapping/>
   </p:clrMapOvr>
+  <p:timing>
+    <p:tnLst>
+      <p:par>
+        <p:cTn id="1" dur="indefinite" restart="never" nodeType="tmRoot"/>
+      </p:par>
+    </p:tnLst>
+  </p:timing>
 </p:sld>
 </file>
 
@@ -6178,7 +5043,7 @@
           <a:p>
             <a:r>
               <a:rPr lang="fr-FR" dirty="0" smtClean="0"/>
-              <a:t>Evènements</a:t>
+              <a:t>Cycle de vie</a:t>
             </a:r>
             <a:endParaRPr lang="fr-FR" dirty="0"/>
           </a:p>
@@ -6194,14 +5059,98 @@
             <p:ph idx="1"/>
           </p:nvPr>
         </p:nvSpPr>
-        <p:spPr/>
+        <p:spPr>
+          <a:xfrm>
+            <a:off x="179512" y="1412776"/>
+            <a:ext cx="8640959" cy="5040560"/>
+          </a:xfrm>
+        </p:spPr>
         <p:txBody>
           <a:bodyPr/>
           <a:lstStyle/>
           <a:p>
             <a:r>
+              <a:rPr lang="fr-FR" dirty="0" smtClean="0"/>
+              <a:t>Le composant possède un cycle de vie complexe</a:t>
+            </a:r>
+          </a:p>
+          <a:p>
+            <a:pPr lvl="1"/>
+            <a:r>
+              <a:rPr lang="fr-FR" dirty="0" smtClean="0"/>
+              <a:t>Démarré par </a:t>
+            </a:r>
+            <a:r>
               <a:rPr lang="fr-FR" dirty="0" err="1" smtClean="0"/>
-              <a:t>Element</a:t>
+              <a:t>ngOnInit</a:t>
+            </a:r>
+            <a:endParaRPr lang="fr-FR" dirty="0" smtClean="0"/>
+          </a:p>
+          <a:p>
+            <a:pPr lvl="1"/>
+            <a:r>
+              <a:rPr lang="fr-FR" dirty="0" smtClean="0"/>
+              <a:t>Chacun de ses </a:t>
+            </a:r>
+            <a:r>
+              <a:rPr lang="fr-FR" dirty="0" err="1" smtClean="0"/>
+              <a:t>évenements</a:t>
+            </a:r>
+            <a:r>
+              <a:rPr lang="fr-FR" dirty="0" smtClean="0"/>
+              <a:t> peut être capturé</a:t>
+            </a:r>
+          </a:p>
+          <a:p>
+            <a:pPr lvl="1"/>
+            <a:r>
+              <a:rPr lang="fr-FR" dirty="0" smtClean="0"/>
+              <a:t>Par exemple</a:t>
+            </a:r>
+          </a:p>
+          <a:p>
+            <a:pPr lvl="1"/>
+            <a:r>
+              <a:rPr lang="fr-FR" dirty="0" err="1"/>
+              <a:t>ngOnDestroy</a:t>
+            </a:r>
+            <a:r>
+              <a:rPr lang="fr-FR" dirty="0"/>
+              <a:t>() { </a:t>
+            </a:r>
+            <a:r>
+              <a:rPr lang="fr-FR" dirty="0" err="1"/>
+              <a:t>this.logIt</a:t>
+            </a:r>
+            <a:r>
+              <a:rPr lang="fr-FR" dirty="0"/>
+              <a:t>(`</a:t>
+            </a:r>
+            <a:r>
+              <a:rPr lang="fr-FR" dirty="0" err="1"/>
+              <a:t>onDestroy</a:t>
+            </a:r>
+            <a:r>
+              <a:rPr lang="fr-FR" dirty="0"/>
+              <a:t>`); </a:t>
+            </a:r>
+            <a:r>
+              <a:rPr lang="fr-FR" dirty="0" smtClean="0"/>
+              <a:t>}</a:t>
+            </a:r>
+          </a:p>
+          <a:p>
+            <a:r>
+              <a:rPr lang="fr-FR" dirty="0" err="1" smtClean="0"/>
+              <a:t>ngOnChange</a:t>
+            </a:r>
+            <a:r>
+              <a:rPr lang="fr-FR" dirty="0" smtClean="0"/>
+              <a:t> est appelé à chaque </a:t>
+            </a:r>
+            <a:r>
+              <a:rPr lang="fr-FR" dirty="0" err="1" smtClean="0"/>
+              <a:t>dirty</a:t>
             </a:r>
             <a:r>
               <a:rPr lang="fr-FR" dirty="0" smtClean="0"/>
@@ -6209,281 +5158,29 @@
             </a:r>
             <a:r>
               <a:rPr lang="fr-FR" dirty="0" err="1" smtClean="0"/>
-              <a:t>event</a:t>
-            </a:r>
-            <a:endParaRPr lang="fr-FR" dirty="0" smtClean="0"/>
-          </a:p>
-          <a:p>
-            <a:pPr lvl="1"/>
-            <a:r>
-              <a:rPr lang="fr-FR" dirty="0"/>
-              <a:t>&lt;</a:t>
-            </a:r>
-            <a:r>
-              <a:rPr lang="fr-FR" dirty="0" err="1"/>
-              <a:t>button</a:t>
-            </a:r>
-            <a:r>
-              <a:rPr lang="fr-FR" dirty="0"/>
-              <a:t> (click)="</a:t>
-            </a:r>
-            <a:r>
-              <a:rPr lang="fr-FR" dirty="0" err="1"/>
-              <a:t>onSave</a:t>
-            </a:r>
-            <a:r>
-              <a:rPr lang="fr-FR" dirty="0"/>
-              <a:t>()"&gt;Save&lt;/</a:t>
-            </a:r>
-            <a:r>
-              <a:rPr lang="fr-FR" dirty="0" err="1"/>
-              <a:t>button</a:t>
-            </a:r>
-            <a:r>
-              <a:rPr lang="fr-FR" dirty="0"/>
-              <a:t>&gt;</a:t>
-            </a:r>
-          </a:p>
-          <a:p>
-            <a:r>
-              <a:rPr lang="fr-FR" dirty="0" smtClean="0"/>
-              <a:t>Component </a:t>
-            </a:r>
-            <a:r>
-              <a:rPr lang="fr-FR" dirty="0" err="1" smtClean="0"/>
-              <a:t>event</a:t>
-            </a:r>
-            <a:endParaRPr lang="fr-FR" dirty="0" smtClean="0"/>
-          </a:p>
-          <a:p>
-            <a:pPr lvl="1"/>
-            <a:r>
-              <a:rPr lang="fr-FR" dirty="0" smtClean="0"/>
-              <a:t>&lt;</a:t>
-            </a:r>
-            <a:r>
-              <a:rPr lang="fr-FR" dirty="0" err="1"/>
-              <a:t>app-hero-detail</a:t>
-            </a:r>
-            <a:r>
-              <a:rPr lang="fr-FR" dirty="0"/>
-              <a:t> (</a:t>
-            </a:r>
-            <a:r>
-              <a:rPr lang="fr-FR" dirty="0" err="1"/>
-              <a:t>deleteRequest</a:t>
-            </a:r>
-            <a:r>
-              <a:rPr lang="fr-FR" dirty="0"/>
-              <a:t>)="</a:t>
-            </a:r>
-            <a:r>
-              <a:rPr lang="fr-FR" dirty="0" err="1"/>
-              <a:t>deleteHero</a:t>
-            </a:r>
-            <a:r>
-              <a:rPr lang="fr-FR" dirty="0"/>
-              <a:t>()"&gt;&lt;/</a:t>
-            </a:r>
-            <a:r>
-              <a:rPr lang="fr-FR" dirty="0" err="1"/>
-              <a:t>app-hero-detail</a:t>
-            </a:r>
-            <a:r>
-              <a:rPr lang="fr-FR" dirty="0"/>
-              <a:t>&gt;</a:t>
-            </a:r>
-          </a:p>
-          <a:p>
-            <a:r>
-              <a:rPr lang="fr-FR" dirty="0" smtClean="0"/>
-              <a:t>Directive </a:t>
-            </a:r>
-            <a:r>
-              <a:rPr lang="fr-FR" dirty="0" err="1" smtClean="0"/>
-              <a:t>event</a:t>
-            </a:r>
-            <a:endParaRPr lang="fr-FR" dirty="0" smtClean="0"/>
-          </a:p>
-          <a:p>
-            <a:pPr lvl="1"/>
-            <a:r>
-              <a:rPr lang="fr-FR" dirty="0" smtClean="0"/>
-              <a:t>&lt;</a:t>
-            </a:r>
-            <a:r>
-              <a:rPr lang="fr-FR" dirty="0"/>
-              <a:t>div (</a:t>
-            </a:r>
-            <a:r>
-              <a:rPr lang="fr-FR" dirty="0" err="1"/>
-              <a:t>myClick</a:t>
-            </a:r>
-            <a:r>
-              <a:rPr lang="fr-FR" dirty="0"/>
-              <a:t>)="</a:t>
-            </a:r>
-            <a:r>
-              <a:rPr lang="fr-FR" dirty="0" err="1"/>
-              <a:t>clicked</a:t>
-            </a:r>
-            <a:r>
-              <a:rPr lang="fr-FR" dirty="0"/>
-              <a:t>=$</a:t>
-            </a:r>
-            <a:r>
-              <a:rPr lang="fr-FR" dirty="0" err="1"/>
-              <a:t>event</a:t>
-            </a:r>
-            <a:r>
-              <a:rPr lang="fr-FR" dirty="0"/>
-              <a:t>" </a:t>
-            </a:r>
-            <a:r>
-              <a:rPr lang="fr-FR" dirty="0" err="1"/>
-              <a:t>clickable</a:t>
-            </a:r>
-            <a:r>
-              <a:rPr lang="fr-FR" dirty="0"/>
-              <a:t>&gt;click me&lt;/div&gt;</a:t>
-            </a:r>
+              <a:t>checking</a:t>
+            </a:r>
+            <a:endParaRPr lang="fr-FR" dirty="0"/>
           </a:p>
         </p:txBody>
       </p:sp>
     </p:spTree>
     <p:extLst>
       <p:ext uri="{BB962C8B-B14F-4D97-AF65-F5344CB8AC3E}">
-        <p14:creationId xmlns:p14="http://schemas.microsoft.com/office/powerpoint/2010/main" val="3955608741"/>
+        <p14:creationId xmlns:p14="http://schemas.microsoft.com/office/powerpoint/2010/main" val="3194105657"/>
       </p:ext>
     </p:extLst>
   </p:cSld>
   <p:clrMapOvr>
     <a:masterClrMapping/>
   </p:clrMapOvr>
-</p:sld>
-</file>
-
-<file path=ppt/slides/slide9.xml><?xml version="1.0" encoding="utf-8"?>
-<p:sld xmlns:a="http://schemas.openxmlformats.org/drawingml/2006/main" xmlns:r="http://schemas.openxmlformats.org/officeDocument/2006/relationships" xmlns:p="http://schemas.openxmlformats.org/presentationml/2006/main">
-  <p:cSld>
-    <p:spTree>
-      <p:nvGrpSpPr>
-        <p:cNvPr id="1" name=""/>
-        <p:cNvGrpSpPr/>
-        <p:nvPr/>
-      </p:nvGrpSpPr>
-      <p:grpSpPr>
-        <a:xfrm>
-          <a:off x="0" y="0"/>
-          <a:ext cx="0" cy="0"/>
-          <a:chOff x="0" y="0"/>
-          <a:chExt cx="0" cy="0"/>
-        </a:xfrm>
-      </p:grpSpPr>
-      <p:sp>
-        <p:nvSpPr>
-          <p:cNvPr id="2" name="Titre 1"/>
-          <p:cNvSpPr>
-            <a:spLocks noGrp="1"/>
-          </p:cNvSpPr>
-          <p:nvPr>
-            <p:ph type="title"/>
-          </p:nvPr>
-        </p:nvSpPr>
-        <p:spPr/>
-        <p:txBody>
-          <a:bodyPr/>
-          <a:lstStyle/>
-          <a:p>
-            <a:r>
-              <a:rPr lang="fr-FR" dirty="0" smtClean="0"/>
-              <a:t>Binding </a:t>
-            </a:r>
-            <a:r>
-              <a:rPr lang="fr-FR" dirty="0" err="1" smtClean="0"/>
-              <a:t>two-way</a:t>
-            </a:r>
-            <a:endParaRPr lang="fr-FR" dirty="0"/>
-          </a:p>
-        </p:txBody>
-      </p:sp>
-      <p:sp>
-        <p:nvSpPr>
-          <p:cNvPr id="3" name="Espace réservé du contenu 2"/>
-          <p:cNvSpPr>
-            <a:spLocks noGrp="1"/>
-          </p:cNvSpPr>
-          <p:nvPr>
-            <p:ph idx="1"/>
-          </p:nvPr>
-        </p:nvSpPr>
-        <p:spPr/>
-        <p:txBody>
-          <a:bodyPr/>
-          <a:lstStyle/>
-          <a:p>
-            <a:r>
-              <a:rPr lang="fr-FR" dirty="0" smtClean="0"/>
-              <a:t>Le binding </a:t>
-            </a:r>
-            <a:r>
-              <a:rPr lang="fr-FR" dirty="0" err="1" smtClean="0"/>
-              <a:t>two-way</a:t>
-            </a:r>
-            <a:r>
-              <a:rPr lang="fr-FR" dirty="0" smtClean="0"/>
-              <a:t> marche dans les 2 sens</a:t>
-            </a:r>
-          </a:p>
-          <a:p>
-            <a:pPr lvl="1"/>
-            <a:r>
-              <a:rPr lang="fr-FR" dirty="0"/>
-              <a:t>[(</a:t>
-            </a:r>
-            <a:r>
-              <a:rPr lang="fr-FR" dirty="0" err="1"/>
-              <a:t>target</a:t>
-            </a:r>
-            <a:r>
-              <a:rPr lang="fr-FR" dirty="0"/>
-              <a:t>)]="expression"</a:t>
-            </a:r>
-          </a:p>
-          <a:p>
-            <a:pPr lvl="1"/>
-            <a:r>
-              <a:rPr lang="fr-FR" dirty="0" err="1"/>
-              <a:t>bindon-target</a:t>
-            </a:r>
-            <a:r>
-              <a:rPr lang="fr-FR" dirty="0"/>
-              <a:t>="expression</a:t>
-            </a:r>
-            <a:r>
-              <a:rPr lang="fr-FR" dirty="0" smtClean="0"/>
-              <a:t>"</a:t>
-            </a:r>
-          </a:p>
-          <a:p>
-            <a:r>
-              <a:rPr lang="fr-FR" dirty="0" smtClean="0"/>
-              <a:t>[()] = Banana in a box</a:t>
-            </a:r>
-            <a:endParaRPr lang="fr-FR" dirty="0"/>
-          </a:p>
-        </p:txBody>
-      </p:sp>
-    </p:spTree>
-    <p:extLst>
-      <p:ext uri="{BB962C8B-B14F-4D97-AF65-F5344CB8AC3E}">
-        <p14:creationId xmlns:p14="http://schemas.microsoft.com/office/powerpoint/2010/main" val="4070976005"/>
-      </p:ext>
-    </p:extLst>
-  </p:cSld>
-  <p:clrMapOvr>
-    <a:masterClrMapping/>
-  </p:clrMapOvr>
+  <p:timing>
+    <p:tnLst>
+      <p:par>
+        <p:cTn id="1" dur="indefinite" restart="never" nodeType="tmRoot"/>
+      </p:par>
+    </p:tnLst>
+  </p:timing>
 </p:sld>
 </file>
 

--- a/PPT/Angular12-Components.pptx
+++ b/PPT/Angular12-Components.pptx
@@ -3703,8 +3703,13 @@
             <a:pPr eaLnBrk="1" hangingPunct="1"/>
             <a:r>
               <a:rPr lang="fr-FR" altLang="fr-FR" dirty="0" smtClean="0"/>
-              <a:t>Les composants (avancés)</a:t>
-            </a:r>
+              <a:t>Les interactions </a:t>
+            </a:r>
+            <a:r>
+              <a:rPr lang="fr-FR" altLang="fr-FR" smtClean="0"/>
+              <a:t>entre composants</a:t>
+            </a:r>
+            <a:endParaRPr lang="fr-FR" altLang="fr-FR" dirty="0" smtClean="0"/>
           </a:p>
         </p:txBody>
       </p:sp>
@@ -4026,11 +4031,7 @@
             </a:r>
             <a:r>
               <a:rPr lang="fr-FR" dirty="0" smtClean="0"/>
-              <a:t> en </a:t>
-            </a:r>
-            <a:r>
-              <a:rPr lang="fr-FR" dirty="0" smtClean="0"/>
-              <a:t>2 composants</a:t>
+              <a:t> en 2 composants</a:t>
             </a:r>
           </a:p>
           <a:p>
@@ -4862,11 +4863,7 @@
             </a:r>
             <a:r>
               <a:rPr lang="fr-FR" dirty="0" smtClean="0"/>
-              <a:t> un </a:t>
-            </a:r>
-            <a:r>
-              <a:rPr lang="fr-FR" dirty="0" smtClean="0"/>
-              <a:t>$</a:t>
+              <a:t> un $</a:t>
             </a:r>
             <a:r>
               <a:rPr lang="fr-FR" dirty="0" err="1" smtClean="0"/>
